--- a/LAS2peer-Template-Project/doc/PresentationIM.pptx
+++ b/LAS2peer-Template-Project/doc/PresentationIM.pptx
@@ -1612,7 +1612,937 @@
 </dgm:colorsDef>
 </file>
 
+<file path=ppt/diagrams/colors3.xml><?xml version="1.0" encoding="utf-8"?>
+<dgm:colorsDef xmlns:dgm="http://schemas.openxmlformats.org/drawingml/2006/diagram" xmlns:a="http://schemas.openxmlformats.org/drawingml/2006/main" uniqueId="urn:microsoft.com/office/officeart/2005/8/colors/accent1_2">
+  <dgm:title val=""/>
+  <dgm:desc val=""/>
+  <dgm:catLst>
+    <dgm:cat type="accent1" pri="11200"/>
+  </dgm:catLst>
+  <dgm:styleLbl name="node0">
+    <dgm:fillClrLst meth="repeat">
+      <a:schemeClr val="accent1"/>
+    </dgm:fillClrLst>
+    <dgm:linClrLst meth="repeat">
+      <a:schemeClr val="lt1"/>
+    </dgm:linClrLst>
+    <dgm:effectClrLst/>
+    <dgm:txLinClrLst/>
+    <dgm:txFillClrLst/>
+    <dgm:txEffectClrLst/>
+  </dgm:styleLbl>
+  <dgm:styleLbl name="alignNode1">
+    <dgm:fillClrLst meth="repeat">
+      <a:schemeClr val="accent1"/>
+    </dgm:fillClrLst>
+    <dgm:linClrLst meth="repeat">
+      <a:schemeClr val="accent1"/>
+    </dgm:linClrLst>
+    <dgm:effectClrLst/>
+    <dgm:txLinClrLst/>
+    <dgm:txFillClrLst/>
+    <dgm:txEffectClrLst/>
+  </dgm:styleLbl>
+  <dgm:styleLbl name="node1">
+    <dgm:fillClrLst meth="repeat">
+      <a:schemeClr val="accent1"/>
+    </dgm:fillClrLst>
+    <dgm:linClrLst meth="repeat">
+      <a:schemeClr val="lt1"/>
+    </dgm:linClrLst>
+    <dgm:effectClrLst/>
+    <dgm:txLinClrLst/>
+    <dgm:txFillClrLst/>
+    <dgm:txEffectClrLst/>
+  </dgm:styleLbl>
+  <dgm:styleLbl name="lnNode1">
+    <dgm:fillClrLst meth="repeat">
+      <a:schemeClr val="accent1"/>
+    </dgm:fillClrLst>
+    <dgm:linClrLst meth="repeat">
+      <a:schemeClr val="lt1"/>
+    </dgm:linClrLst>
+    <dgm:effectClrLst/>
+    <dgm:txLinClrLst/>
+    <dgm:txFillClrLst/>
+    <dgm:txEffectClrLst/>
+  </dgm:styleLbl>
+  <dgm:styleLbl name="vennNode1">
+    <dgm:fillClrLst meth="repeat">
+      <a:schemeClr val="accent1">
+        <a:alpha val="50000"/>
+      </a:schemeClr>
+    </dgm:fillClrLst>
+    <dgm:linClrLst meth="repeat">
+      <a:schemeClr val="lt1"/>
+    </dgm:linClrLst>
+    <dgm:effectClrLst/>
+    <dgm:txLinClrLst/>
+    <dgm:txFillClrLst/>
+    <dgm:txEffectClrLst/>
+  </dgm:styleLbl>
+  <dgm:styleLbl name="node2">
+    <dgm:fillClrLst meth="repeat">
+      <a:schemeClr val="accent1"/>
+    </dgm:fillClrLst>
+    <dgm:linClrLst meth="repeat">
+      <a:schemeClr val="lt1"/>
+    </dgm:linClrLst>
+    <dgm:effectClrLst/>
+    <dgm:txLinClrLst/>
+    <dgm:txFillClrLst/>
+    <dgm:txEffectClrLst/>
+  </dgm:styleLbl>
+  <dgm:styleLbl name="node3">
+    <dgm:fillClrLst meth="repeat">
+      <a:schemeClr val="accent1"/>
+    </dgm:fillClrLst>
+    <dgm:linClrLst meth="repeat">
+      <a:schemeClr val="lt1"/>
+    </dgm:linClrLst>
+    <dgm:effectClrLst/>
+    <dgm:txLinClrLst/>
+    <dgm:txFillClrLst/>
+    <dgm:txEffectClrLst/>
+  </dgm:styleLbl>
+  <dgm:styleLbl name="node4">
+    <dgm:fillClrLst meth="repeat">
+      <a:schemeClr val="accent1"/>
+    </dgm:fillClrLst>
+    <dgm:linClrLst meth="repeat">
+      <a:schemeClr val="lt1"/>
+    </dgm:linClrLst>
+    <dgm:effectClrLst/>
+    <dgm:txLinClrLst/>
+    <dgm:txFillClrLst/>
+    <dgm:txEffectClrLst/>
+  </dgm:styleLbl>
+  <dgm:styleLbl name="fgImgPlace1">
+    <dgm:fillClrLst meth="repeat">
+      <a:schemeClr val="accent1">
+        <a:tint val="50000"/>
+      </a:schemeClr>
+    </dgm:fillClrLst>
+    <dgm:linClrLst meth="repeat">
+      <a:schemeClr val="lt1"/>
+    </dgm:linClrLst>
+    <dgm:effectClrLst/>
+    <dgm:txLinClrLst/>
+    <dgm:txFillClrLst meth="repeat">
+      <a:schemeClr val="lt1"/>
+    </dgm:txFillClrLst>
+    <dgm:txEffectClrLst/>
+  </dgm:styleLbl>
+  <dgm:styleLbl name="alignImgPlace1">
+    <dgm:fillClrLst meth="repeat">
+      <a:schemeClr val="accent1">
+        <a:tint val="50000"/>
+      </a:schemeClr>
+    </dgm:fillClrLst>
+    <dgm:linClrLst meth="repeat">
+      <a:schemeClr val="lt1"/>
+    </dgm:linClrLst>
+    <dgm:effectClrLst/>
+    <dgm:txLinClrLst/>
+    <dgm:txFillClrLst meth="repeat">
+      <a:schemeClr val="lt1"/>
+    </dgm:txFillClrLst>
+    <dgm:txEffectClrLst/>
+  </dgm:styleLbl>
+  <dgm:styleLbl name="bgImgPlace1">
+    <dgm:fillClrLst meth="repeat">
+      <a:schemeClr val="accent1">
+        <a:tint val="50000"/>
+      </a:schemeClr>
+    </dgm:fillClrLst>
+    <dgm:linClrLst meth="repeat">
+      <a:schemeClr val="lt1"/>
+    </dgm:linClrLst>
+    <dgm:effectClrLst/>
+    <dgm:txLinClrLst/>
+    <dgm:txFillClrLst meth="repeat">
+      <a:schemeClr val="lt1"/>
+    </dgm:txFillClrLst>
+    <dgm:txEffectClrLst/>
+  </dgm:styleLbl>
+  <dgm:styleLbl name="sibTrans2D1">
+    <dgm:fillClrLst meth="repeat">
+      <a:schemeClr val="accent1">
+        <a:tint val="60000"/>
+      </a:schemeClr>
+    </dgm:fillClrLst>
+    <dgm:linClrLst meth="repeat">
+      <a:schemeClr val="accent1">
+        <a:tint val="60000"/>
+      </a:schemeClr>
+    </dgm:linClrLst>
+    <dgm:effectClrLst/>
+    <dgm:txLinClrLst/>
+    <dgm:txFillClrLst/>
+    <dgm:txEffectClrLst/>
+  </dgm:styleLbl>
+  <dgm:styleLbl name="fgSibTrans2D1">
+    <dgm:fillClrLst meth="repeat">
+      <a:schemeClr val="accent1">
+        <a:tint val="60000"/>
+      </a:schemeClr>
+    </dgm:fillClrLst>
+    <dgm:linClrLst meth="repeat">
+      <a:schemeClr val="accent1">
+        <a:tint val="60000"/>
+      </a:schemeClr>
+    </dgm:linClrLst>
+    <dgm:effectClrLst/>
+    <dgm:txLinClrLst/>
+    <dgm:txFillClrLst/>
+    <dgm:txEffectClrLst/>
+  </dgm:styleLbl>
+  <dgm:styleLbl name="bgSibTrans2D1">
+    <dgm:fillClrLst meth="repeat">
+      <a:schemeClr val="accent1">
+        <a:tint val="60000"/>
+      </a:schemeClr>
+    </dgm:fillClrLst>
+    <dgm:linClrLst meth="repeat">
+      <a:schemeClr val="accent1">
+        <a:tint val="60000"/>
+      </a:schemeClr>
+    </dgm:linClrLst>
+    <dgm:effectClrLst/>
+    <dgm:txLinClrLst/>
+    <dgm:txFillClrLst/>
+    <dgm:txEffectClrLst/>
+  </dgm:styleLbl>
+  <dgm:styleLbl name="sibTrans1D1">
+    <dgm:fillClrLst meth="repeat">
+      <a:schemeClr val="accent1"/>
+    </dgm:fillClrLst>
+    <dgm:linClrLst meth="repeat">
+      <a:schemeClr val="accent1"/>
+    </dgm:linClrLst>
+    <dgm:effectClrLst/>
+    <dgm:txLinClrLst/>
+    <dgm:txFillClrLst meth="repeat">
+      <a:schemeClr val="tx1"/>
+    </dgm:txFillClrLst>
+    <dgm:txEffectClrLst/>
+  </dgm:styleLbl>
+  <dgm:styleLbl name="callout">
+    <dgm:fillClrLst meth="repeat">
+      <a:schemeClr val="accent1"/>
+    </dgm:fillClrLst>
+    <dgm:linClrLst meth="repeat">
+      <a:schemeClr val="accent1">
+        <a:tint val="50000"/>
+      </a:schemeClr>
+    </dgm:linClrLst>
+    <dgm:effectClrLst/>
+    <dgm:txLinClrLst/>
+    <dgm:txFillClrLst meth="repeat">
+      <a:schemeClr val="tx1"/>
+    </dgm:txFillClrLst>
+    <dgm:txEffectClrLst/>
+  </dgm:styleLbl>
+  <dgm:styleLbl name="asst0">
+    <dgm:fillClrLst meth="repeat">
+      <a:schemeClr val="accent1"/>
+    </dgm:fillClrLst>
+    <dgm:linClrLst meth="repeat">
+      <a:schemeClr val="lt1"/>
+    </dgm:linClrLst>
+    <dgm:effectClrLst/>
+    <dgm:txLinClrLst/>
+    <dgm:txFillClrLst/>
+    <dgm:txEffectClrLst/>
+  </dgm:styleLbl>
+  <dgm:styleLbl name="asst1">
+    <dgm:fillClrLst meth="repeat">
+      <a:schemeClr val="accent1"/>
+    </dgm:fillClrLst>
+    <dgm:linClrLst meth="repeat">
+      <a:schemeClr val="lt1"/>
+    </dgm:linClrLst>
+    <dgm:effectClrLst/>
+    <dgm:txLinClrLst/>
+    <dgm:txFillClrLst/>
+    <dgm:txEffectClrLst/>
+  </dgm:styleLbl>
+  <dgm:styleLbl name="asst2">
+    <dgm:fillClrLst meth="repeat">
+      <a:schemeClr val="accent1"/>
+    </dgm:fillClrLst>
+    <dgm:linClrLst meth="repeat">
+      <a:schemeClr val="lt1"/>
+    </dgm:linClrLst>
+    <dgm:effectClrLst/>
+    <dgm:txLinClrLst/>
+    <dgm:txFillClrLst/>
+    <dgm:txEffectClrLst/>
+  </dgm:styleLbl>
+  <dgm:styleLbl name="asst3">
+    <dgm:fillClrLst meth="repeat">
+      <a:schemeClr val="accent1"/>
+    </dgm:fillClrLst>
+    <dgm:linClrLst meth="repeat">
+      <a:schemeClr val="lt1"/>
+    </dgm:linClrLst>
+    <dgm:effectClrLst/>
+    <dgm:txLinClrLst/>
+    <dgm:txFillClrLst/>
+    <dgm:txEffectClrLst/>
+  </dgm:styleLbl>
+  <dgm:styleLbl name="asst4">
+    <dgm:fillClrLst meth="repeat">
+      <a:schemeClr val="accent1"/>
+    </dgm:fillClrLst>
+    <dgm:linClrLst meth="repeat">
+      <a:schemeClr val="lt1"/>
+    </dgm:linClrLst>
+    <dgm:effectClrLst/>
+    <dgm:txLinClrLst/>
+    <dgm:txFillClrLst/>
+    <dgm:txEffectClrLst/>
+  </dgm:styleLbl>
+  <dgm:styleLbl name="parChTrans2D1">
+    <dgm:fillClrLst meth="repeat">
+      <a:schemeClr val="accent1">
+        <a:tint val="60000"/>
+      </a:schemeClr>
+    </dgm:fillClrLst>
+    <dgm:linClrLst meth="repeat">
+      <a:schemeClr val="accent1">
+        <a:tint val="60000"/>
+      </a:schemeClr>
+    </dgm:linClrLst>
+    <dgm:effectClrLst/>
+    <dgm:txLinClrLst/>
+    <dgm:txFillClrLst meth="repeat">
+      <a:schemeClr val="lt1"/>
+    </dgm:txFillClrLst>
+    <dgm:txEffectClrLst/>
+  </dgm:styleLbl>
+  <dgm:styleLbl name="parChTrans2D2">
+    <dgm:fillClrLst meth="repeat">
+      <a:schemeClr val="accent1"/>
+    </dgm:fillClrLst>
+    <dgm:linClrLst meth="repeat">
+      <a:schemeClr val="accent1"/>
+    </dgm:linClrLst>
+    <dgm:effectClrLst/>
+    <dgm:txLinClrLst/>
+    <dgm:txFillClrLst meth="repeat">
+      <a:schemeClr val="lt1"/>
+    </dgm:txFillClrLst>
+    <dgm:txEffectClrLst/>
+  </dgm:styleLbl>
+  <dgm:styleLbl name="parChTrans2D3">
+    <dgm:fillClrLst meth="repeat">
+      <a:schemeClr val="accent1"/>
+    </dgm:fillClrLst>
+    <dgm:linClrLst meth="repeat">
+      <a:schemeClr val="accent1"/>
+    </dgm:linClrLst>
+    <dgm:effectClrLst/>
+    <dgm:txLinClrLst/>
+    <dgm:txFillClrLst meth="repeat">
+      <a:schemeClr val="lt1"/>
+    </dgm:txFillClrLst>
+    <dgm:txEffectClrLst/>
+  </dgm:styleLbl>
+  <dgm:styleLbl name="parChTrans2D4">
+    <dgm:fillClrLst meth="repeat">
+      <a:schemeClr val="accent1"/>
+    </dgm:fillClrLst>
+    <dgm:linClrLst meth="repeat">
+      <a:schemeClr val="accent1"/>
+    </dgm:linClrLst>
+    <dgm:effectClrLst/>
+    <dgm:txLinClrLst/>
+    <dgm:txFillClrLst meth="repeat">
+      <a:schemeClr val="lt1"/>
+    </dgm:txFillClrLst>
+    <dgm:txEffectClrLst/>
+  </dgm:styleLbl>
+  <dgm:styleLbl name="parChTrans1D1">
+    <dgm:fillClrLst meth="repeat">
+      <a:schemeClr val="accent1"/>
+    </dgm:fillClrLst>
+    <dgm:linClrLst meth="repeat">
+      <a:schemeClr val="accent1">
+        <a:shade val="60000"/>
+      </a:schemeClr>
+    </dgm:linClrLst>
+    <dgm:effectClrLst/>
+    <dgm:txLinClrLst/>
+    <dgm:txFillClrLst meth="repeat">
+      <a:schemeClr val="tx1"/>
+    </dgm:txFillClrLst>
+    <dgm:txEffectClrLst/>
+  </dgm:styleLbl>
+  <dgm:styleLbl name="parChTrans1D2">
+    <dgm:fillClrLst meth="repeat">
+      <a:schemeClr val="accent1"/>
+    </dgm:fillClrLst>
+    <dgm:linClrLst meth="repeat">
+      <a:schemeClr val="accent1">
+        <a:shade val="60000"/>
+      </a:schemeClr>
+    </dgm:linClrLst>
+    <dgm:effectClrLst/>
+    <dgm:txLinClrLst/>
+    <dgm:txFillClrLst meth="repeat">
+      <a:schemeClr val="tx1"/>
+    </dgm:txFillClrLst>
+    <dgm:txEffectClrLst/>
+  </dgm:styleLbl>
+  <dgm:styleLbl name="parChTrans1D3">
+    <dgm:fillClrLst meth="repeat">
+      <a:schemeClr val="accent1"/>
+    </dgm:fillClrLst>
+    <dgm:linClrLst meth="repeat">
+      <a:schemeClr val="accent1">
+        <a:shade val="80000"/>
+      </a:schemeClr>
+    </dgm:linClrLst>
+    <dgm:effectClrLst/>
+    <dgm:txLinClrLst/>
+    <dgm:txFillClrLst meth="repeat">
+      <a:schemeClr val="tx1"/>
+    </dgm:txFillClrLst>
+    <dgm:txEffectClrLst/>
+  </dgm:styleLbl>
+  <dgm:styleLbl name="parChTrans1D4">
+    <dgm:fillClrLst meth="repeat">
+      <a:schemeClr val="accent1"/>
+    </dgm:fillClrLst>
+    <dgm:linClrLst meth="repeat">
+      <a:schemeClr val="accent1">
+        <a:shade val="80000"/>
+      </a:schemeClr>
+    </dgm:linClrLst>
+    <dgm:effectClrLst/>
+    <dgm:txLinClrLst/>
+    <dgm:txFillClrLst meth="repeat">
+      <a:schemeClr val="tx1"/>
+    </dgm:txFillClrLst>
+    <dgm:txEffectClrLst/>
+  </dgm:styleLbl>
+  <dgm:styleLbl name="fgAcc1">
+    <dgm:fillClrLst meth="repeat">
+      <a:schemeClr val="lt1">
+        <a:alpha val="90000"/>
+      </a:schemeClr>
+    </dgm:fillClrLst>
+    <dgm:linClrLst meth="repeat">
+      <a:schemeClr val="accent1"/>
+    </dgm:linClrLst>
+    <dgm:effectClrLst/>
+    <dgm:txLinClrLst/>
+    <dgm:txFillClrLst meth="repeat">
+      <a:schemeClr val="dk1"/>
+    </dgm:txFillClrLst>
+    <dgm:txEffectClrLst/>
+  </dgm:styleLbl>
+  <dgm:styleLbl name="conFgAcc1">
+    <dgm:fillClrLst meth="repeat">
+      <a:schemeClr val="lt1">
+        <a:alpha val="90000"/>
+      </a:schemeClr>
+    </dgm:fillClrLst>
+    <dgm:linClrLst meth="repeat">
+      <a:schemeClr val="accent1"/>
+    </dgm:linClrLst>
+    <dgm:effectClrLst/>
+    <dgm:txLinClrLst/>
+    <dgm:txFillClrLst meth="repeat">
+      <a:schemeClr val="dk1"/>
+    </dgm:txFillClrLst>
+    <dgm:txEffectClrLst/>
+  </dgm:styleLbl>
+  <dgm:styleLbl name="alignAcc1">
+    <dgm:fillClrLst meth="repeat">
+      <a:schemeClr val="lt1">
+        <a:alpha val="90000"/>
+      </a:schemeClr>
+    </dgm:fillClrLst>
+    <dgm:linClrLst meth="repeat">
+      <a:schemeClr val="accent1"/>
+    </dgm:linClrLst>
+    <dgm:effectClrLst/>
+    <dgm:txLinClrLst/>
+    <dgm:txFillClrLst meth="repeat">
+      <a:schemeClr val="dk1"/>
+    </dgm:txFillClrLst>
+    <dgm:txEffectClrLst/>
+  </dgm:styleLbl>
+  <dgm:styleLbl name="trAlignAcc1">
+    <dgm:fillClrLst meth="repeat">
+      <a:schemeClr val="lt1">
+        <a:alpha val="40000"/>
+      </a:schemeClr>
+    </dgm:fillClrLst>
+    <dgm:linClrLst meth="repeat">
+      <a:schemeClr val="accent1"/>
+    </dgm:linClrLst>
+    <dgm:effectClrLst/>
+    <dgm:txLinClrLst/>
+    <dgm:txFillClrLst meth="repeat">
+      <a:schemeClr val="dk1"/>
+    </dgm:txFillClrLst>
+    <dgm:txEffectClrLst/>
+  </dgm:styleLbl>
+  <dgm:styleLbl name="bgAcc1">
+    <dgm:fillClrLst meth="repeat">
+      <a:schemeClr val="lt1">
+        <a:alpha val="90000"/>
+      </a:schemeClr>
+    </dgm:fillClrLst>
+    <dgm:linClrLst meth="repeat">
+      <a:schemeClr val="accent1"/>
+    </dgm:linClrLst>
+    <dgm:effectClrLst/>
+    <dgm:txLinClrLst/>
+    <dgm:txFillClrLst meth="repeat">
+      <a:schemeClr val="dk1"/>
+    </dgm:txFillClrLst>
+    <dgm:txEffectClrLst/>
+  </dgm:styleLbl>
+  <dgm:styleLbl name="solidFgAcc1">
+    <dgm:fillClrLst meth="repeat">
+      <a:schemeClr val="lt1"/>
+    </dgm:fillClrLst>
+    <dgm:linClrLst meth="repeat">
+      <a:schemeClr val="accent1"/>
+    </dgm:linClrLst>
+    <dgm:effectClrLst/>
+    <dgm:txLinClrLst/>
+    <dgm:txFillClrLst meth="repeat">
+      <a:schemeClr val="dk1"/>
+    </dgm:txFillClrLst>
+    <dgm:txEffectClrLst/>
+  </dgm:styleLbl>
+  <dgm:styleLbl name="solidAlignAcc1">
+    <dgm:fillClrLst meth="repeat">
+      <a:schemeClr val="lt1"/>
+    </dgm:fillClrLst>
+    <dgm:linClrLst meth="repeat">
+      <a:schemeClr val="accent1"/>
+    </dgm:linClrLst>
+    <dgm:effectClrLst/>
+    <dgm:txLinClrLst/>
+    <dgm:txFillClrLst meth="repeat">
+      <a:schemeClr val="dk1"/>
+    </dgm:txFillClrLst>
+    <dgm:txEffectClrLst/>
+  </dgm:styleLbl>
+  <dgm:styleLbl name="solidBgAcc1">
+    <dgm:fillClrLst meth="repeat">
+      <a:schemeClr val="lt1"/>
+    </dgm:fillClrLst>
+    <dgm:linClrLst meth="repeat">
+      <a:schemeClr val="accent1"/>
+    </dgm:linClrLst>
+    <dgm:effectClrLst/>
+    <dgm:txLinClrLst/>
+    <dgm:txFillClrLst meth="repeat">
+      <a:schemeClr val="dk1"/>
+    </dgm:txFillClrLst>
+    <dgm:txEffectClrLst/>
+  </dgm:styleLbl>
+  <dgm:styleLbl name="fgAccFollowNode1">
+    <dgm:fillClrLst meth="repeat">
+      <a:schemeClr val="accent1">
+        <a:alpha val="90000"/>
+        <a:tint val="40000"/>
+      </a:schemeClr>
+    </dgm:fillClrLst>
+    <dgm:linClrLst meth="repeat">
+      <a:schemeClr val="accent1">
+        <a:alpha val="90000"/>
+        <a:tint val="40000"/>
+      </a:schemeClr>
+    </dgm:linClrLst>
+    <dgm:effectClrLst/>
+    <dgm:txLinClrLst/>
+    <dgm:txFillClrLst meth="repeat">
+      <a:schemeClr val="dk1"/>
+    </dgm:txFillClrLst>
+    <dgm:txEffectClrLst/>
+  </dgm:styleLbl>
+  <dgm:styleLbl name="alignAccFollowNode1">
+    <dgm:fillClrLst meth="repeat">
+      <a:schemeClr val="accent1">
+        <a:alpha val="90000"/>
+        <a:tint val="40000"/>
+      </a:schemeClr>
+    </dgm:fillClrLst>
+    <dgm:linClrLst meth="repeat">
+      <a:schemeClr val="accent1">
+        <a:alpha val="90000"/>
+        <a:tint val="40000"/>
+      </a:schemeClr>
+    </dgm:linClrLst>
+    <dgm:effectClrLst/>
+    <dgm:txLinClrLst/>
+    <dgm:txFillClrLst meth="repeat">
+      <a:schemeClr val="dk1"/>
+    </dgm:txFillClrLst>
+    <dgm:txEffectClrLst/>
+  </dgm:styleLbl>
+  <dgm:styleLbl name="bgAccFollowNode1">
+    <dgm:fillClrLst meth="repeat">
+      <a:schemeClr val="accent1">
+        <a:alpha val="90000"/>
+        <a:tint val="40000"/>
+      </a:schemeClr>
+    </dgm:fillClrLst>
+    <dgm:linClrLst meth="repeat">
+      <a:schemeClr val="accent1">
+        <a:alpha val="90000"/>
+        <a:tint val="40000"/>
+      </a:schemeClr>
+    </dgm:linClrLst>
+    <dgm:effectClrLst/>
+    <dgm:txLinClrLst/>
+    <dgm:txFillClrLst meth="repeat">
+      <a:schemeClr val="dk1"/>
+    </dgm:txFillClrLst>
+    <dgm:txEffectClrLst/>
+  </dgm:styleLbl>
+  <dgm:styleLbl name="fgAcc0">
+    <dgm:fillClrLst meth="repeat">
+      <a:schemeClr val="lt1">
+        <a:alpha val="90000"/>
+      </a:schemeClr>
+    </dgm:fillClrLst>
+    <dgm:linClrLst meth="repeat">
+      <a:schemeClr val="accent1"/>
+    </dgm:linClrLst>
+    <dgm:effectClrLst/>
+    <dgm:txLinClrLst/>
+    <dgm:txFillClrLst meth="repeat">
+      <a:schemeClr val="dk1"/>
+    </dgm:txFillClrLst>
+    <dgm:txEffectClrLst/>
+  </dgm:styleLbl>
+  <dgm:styleLbl name="fgAcc2">
+    <dgm:fillClrLst meth="repeat">
+      <a:schemeClr val="lt1">
+        <a:alpha val="90000"/>
+      </a:schemeClr>
+    </dgm:fillClrLst>
+    <dgm:linClrLst meth="repeat">
+      <a:schemeClr val="accent1"/>
+    </dgm:linClrLst>
+    <dgm:effectClrLst/>
+    <dgm:txLinClrLst/>
+    <dgm:txFillClrLst meth="repeat">
+      <a:schemeClr val="dk1"/>
+    </dgm:txFillClrLst>
+    <dgm:txEffectClrLst/>
+  </dgm:styleLbl>
+  <dgm:styleLbl name="fgAcc3">
+    <dgm:fillClrLst meth="repeat">
+      <a:schemeClr val="lt1">
+        <a:alpha val="90000"/>
+      </a:schemeClr>
+    </dgm:fillClrLst>
+    <dgm:linClrLst meth="repeat">
+      <a:schemeClr val="accent1"/>
+    </dgm:linClrLst>
+    <dgm:effectClrLst/>
+    <dgm:txLinClrLst/>
+    <dgm:txFillClrLst meth="repeat">
+      <a:schemeClr val="dk1"/>
+    </dgm:txFillClrLst>
+    <dgm:txEffectClrLst/>
+  </dgm:styleLbl>
+  <dgm:styleLbl name="fgAcc4">
+    <dgm:fillClrLst meth="repeat">
+      <a:schemeClr val="lt1">
+        <a:alpha val="90000"/>
+      </a:schemeClr>
+    </dgm:fillClrLst>
+    <dgm:linClrLst meth="repeat">
+      <a:schemeClr val="accent1"/>
+    </dgm:linClrLst>
+    <dgm:effectClrLst/>
+    <dgm:txLinClrLst/>
+    <dgm:txFillClrLst meth="repeat">
+      <a:schemeClr val="dk1"/>
+    </dgm:txFillClrLst>
+    <dgm:txEffectClrLst/>
+  </dgm:styleLbl>
+  <dgm:styleLbl name="bgShp">
+    <dgm:fillClrLst meth="repeat">
+      <a:schemeClr val="accent1">
+        <a:tint val="40000"/>
+      </a:schemeClr>
+    </dgm:fillClrLst>
+    <dgm:linClrLst meth="repeat">
+      <a:schemeClr val="accent1"/>
+    </dgm:linClrLst>
+    <dgm:effectClrLst/>
+    <dgm:txLinClrLst/>
+    <dgm:txFillClrLst meth="repeat">
+      <a:schemeClr val="dk1"/>
+    </dgm:txFillClrLst>
+    <dgm:txEffectClrLst/>
+  </dgm:styleLbl>
+  <dgm:styleLbl name="dkBgShp">
+    <dgm:fillClrLst meth="repeat">
+      <a:schemeClr val="accent1">
+        <a:shade val="80000"/>
+      </a:schemeClr>
+    </dgm:fillClrLst>
+    <dgm:linClrLst meth="repeat">
+      <a:schemeClr val="accent1"/>
+    </dgm:linClrLst>
+    <dgm:effectClrLst/>
+    <dgm:txLinClrLst/>
+    <dgm:txFillClrLst meth="repeat">
+      <a:schemeClr val="lt1"/>
+    </dgm:txFillClrLst>
+    <dgm:txEffectClrLst/>
+  </dgm:styleLbl>
+  <dgm:styleLbl name="trBgShp">
+    <dgm:fillClrLst meth="repeat">
+      <a:schemeClr val="accent1">
+        <a:tint val="50000"/>
+        <a:alpha val="40000"/>
+      </a:schemeClr>
+    </dgm:fillClrLst>
+    <dgm:linClrLst meth="repeat">
+      <a:schemeClr val="accent1"/>
+    </dgm:linClrLst>
+    <dgm:effectClrLst/>
+    <dgm:txLinClrLst/>
+    <dgm:txFillClrLst meth="repeat">
+      <a:schemeClr val="lt1"/>
+    </dgm:txFillClrLst>
+    <dgm:txEffectClrLst/>
+  </dgm:styleLbl>
+  <dgm:styleLbl name="fgShp">
+    <dgm:fillClrLst meth="repeat">
+      <a:schemeClr val="accent1">
+        <a:tint val="60000"/>
+      </a:schemeClr>
+    </dgm:fillClrLst>
+    <dgm:linClrLst meth="repeat">
+      <a:schemeClr val="lt1"/>
+    </dgm:linClrLst>
+    <dgm:effectClrLst/>
+    <dgm:txLinClrLst/>
+    <dgm:txFillClrLst meth="repeat">
+      <a:schemeClr val="dk1"/>
+    </dgm:txFillClrLst>
+    <dgm:txEffectClrLst/>
+  </dgm:styleLbl>
+  <dgm:styleLbl name="revTx">
+    <dgm:fillClrLst meth="repeat">
+      <a:schemeClr val="lt1">
+        <a:alpha val="0"/>
+      </a:schemeClr>
+    </dgm:fillClrLst>
+    <dgm:linClrLst meth="repeat">
+      <a:schemeClr val="dk1">
+        <a:alpha val="0"/>
+      </a:schemeClr>
+    </dgm:linClrLst>
+    <dgm:effectClrLst/>
+    <dgm:txLinClrLst/>
+    <dgm:txFillClrLst meth="repeat">
+      <a:schemeClr val="tx1"/>
+    </dgm:txFillClrLst>
+    <dgm:txEffectClrLst/>
+  </dgm:styleLbl>
+</dgm:colorsDef>
+</file>
+
 <file path=ppt/diagrams/data1.xml><?xml version="1.0" encoding="utf-8"?>
+<dgm:dataModel xmlns:dgm="http://schemas.openxmlformats.org/drawingml/2006/diagram" xmlns:a="http://schemas.openxmlformats.org/drawingml/2006/main">
+  <dgm:ptLst>
+    <dgm:pt modelId="{B7BF5E5C-7C05-41E7-80E8-9ABA021888A4}" type="doc">
+      <dgm:prSet loTypeId="urn:microsoft.com/office/officeart/2005/8/layout/pyramid2" loCatId="list" qsTypeId="urn:microsoft.com/office/officeart/2005/8/quickstyle/simple1" qsCatId="simple" csTypeId="urn:microsoft.com/office/officeart/2005/8/colors/accent1_2" csCatId="accent1" phldr="1"/>
+      <dgm:spPr/>
+    </dgm:pt>
+    <dgm:pt modelId="{E27A47D7-69EA-4820-ADE4-1AECEE067897}">
+      <dgm:prSet phldrT="[Text]" custT="1"/>
+      <dgm:spPr/>
+      <dgm:t>
+        <a:bodyPr/>
+        <a:lstStyle/>
+        <a:p>
+          <a:pPr algn="l"/>
+          <a:r>
+            <a:rPr lang="en-US" sz="1400" b="1" dirty="0" smtClean="0"/>
+            <a:t>Objective: </a:t>
+          </a:r>
+        </a:p>
+        <a:p>
+          <a:pPr algn="l"/>
+          <a:r>
+            <a:rPr lang="en-US" sz="1400" dirty="0" smtClean="0"/>
+            <a:t>Enabling simple but compact instant messaging between users </a:t>
+          </a:r>
+          <a:endParaRPr lang="en-US" sz="1400" dirty="0"/>
+        </a:p>
+      </dgm:t>
+    </dgm:pt>
+    <dgm:pt modelId="{E7458311-1313-4A23-8EF9-16C4B2A8A34B}" type="parTrans" cxnId="{F48E2CC0-AC30-4962-AAC4-9D393A29C3CD}">
+      <dgm:prSet/>
+      <dgm:spPr/>
+      <dgm:t>
+        <a:bodyPr/>
+        <a:lstStyle/>
+        <a:p>
+          <a:endParaRPr lang="en-US"/>
+        </a:p>
+      </dgm:t>
+    </dgm:pt>
+    <dgm:pt modelId="{CC4FF348-3F3B-4A65-9503-6D0260EB2BC3}" type="sibTrans" cxnId="{F48E2CC0-AC30-4962-AAC4-9D393A29C3CD}">
+      <dgm:prSet/>
+      <dgm:spPr/>
+      <dgm:t>
+        <a:bodyPr/>
+        <a:lstStyle/>
+        <a:p>
+          <a:endParaRPr lang="en-US"/>
+        </a:p>
+      </dgm:t>
+    </dgm:pt>
+    <dgm:pt modelId="{E4971A5D-5135-42FE-BB3D-0A8685DCC019}">
+      <dgm:prSet phldrT="[Text]" custT="1"/>
+      <dgm:spPr/>
+      <dgm:t>
+        <a:bodyPr/>
+        <a:lstStyle/>
+        <a:p>
+          <a:pPr algn="l"/>
+          <a:r>
+            <a:rPr lang="en-US" sz="1400" b="1" dirty="0" smtClean="0"/>
+            <a:t>Main features:</a:t>
+          </a:r>
+        </a:p>
+        <a:p>
+          <a:pPr algn="l"/>
+          <a:r>
+            <a:rPr lang="en-US" sz="1400" b="0" smtClean="0"/>
+            <a:t>profile, </a:t>
+          </a:r>
+          <a:r>
+            <a:rPr lang="en-US" sz="1400" b="0" dirty="0" smtClean="0"/>
+            <a:t>contact, request and message management</a:t>
+          </a:r>
+        </a:p>
+        <a:p>
+          <a:pPr algn="l"/>
+          <a:endParaRPr lang="en-US" sz="1100" b="0" dirty="0"/>
+        </a:p>
+      </dgm:t>
+    </dgm:pt>
+    <dgm:pt modelId="{0A863BE6-55B8-425E-A086-E0B5BB34382B}" type="parTrans" cxnId="{83FC2502-2F08-45D0-9035-36981AD64683}">
+      <dgm:prSet/>
+      <dgm:spPr/>
+      <dgm:t>
+        <a:bodyPr/>
+        <a:lstStyle/>
+        <a:p>
+          <a:endParaRPr lang="en-US"/>
+        </a:p>
+      </dgm:t>
+    </dgm:pt>
+    <dgm:pt modelId="{1A82D1C4-962C-429C-AD24-7A6394E25DCB}" type="sibTrans" cxnId="{83FC2502-2F08-45D0-9035-36981AD64683}">
+      <dgm:prSet/>
+      <dgm:spPr/>
+      <dgm:t>
+        <a:bodyPr/>
+        <a:lstStyle/>
+        <a:p>
+          <a:endParaRPr lang="en-US"/>
+        </a:p>
+      </dgm:t>
+    </dgm:pt>
+    <dgm:pt modelId="{57CBAB72-D913-444C-AD84-42CA9193FDFE}" type="pres">
+      <dgm:prSet presAssocID="{B7BF5E5C-7C05-41E7-80E8-9ABA021888A4}" presName="compositeShape" presStyleCnt="0">
+        <dgm:presLayoutVars>
+          <dgm:dir/>
+          <dgm:resizeHandles/>
+        </dgm:presLayoutVars>
+      </dgm:prSet>
+      <dgm:spPr/>
+    </dgm:pt>
+    <dgm:pt modelId="{7055902E-54BB-4D1E-9893-F5A17E31E96E}" type="pres">
+      <dgm:prSet presAssocID="{B7BF5E5C-7C05-41E7-80E8-9ABA021888A4}" presName="pyramid" presStyleLbl="node1" presStyleIdx="0" presStyleCnt="1"/>
+      <dgm:spPr/>
+    </dgm:pt>
+    <dgm:pt modelId="{89229573-7562-4ECE-A1C9-68242A56A5E3}" type="pres">
+      <dgm:prSet presAssocID="{B7BF5E5C-7C05-41E7-80E8-9ABA021888A4}" presName="theList" presStyleCnt="0"/>
+      <dgm:spPr/>
+    </dgm:pt>
+    <dgm:pt modelId="{22DD6A03-E79E-4185-AC88-3B74479F256C}" type="pres">
+      <dgm:prSet presAssocID="{E27A47D7-69EA-4820-ADE4-1AECEE067897}" presName="aNode" presStyleLbl="fgAcc1" presStyleIdx="0" presStyleCnt="2">
+        <dgm:presLayoutVars>
+          <dgm:bulletEnabled val="1"/>
+        </dgm:presLayoutVars>
+      </dgm:prSet>
+      <dgm:spPr/>
+      <dgm:t>
+        <a:bodyPr/>
+        <a:lstStyle/>
+        <a:p>
+          <a:endParaRPr lang="en-US"/>
+        </a:p>
+      </dgm:t>
+    </dgm:pt>
+    <dgm:pt modelId="{7FED6E39-5F5C-443B-86A8-E0786CF36825}" type="pres">
+      <dgm:prSet presAssocID="{E27A47D7-69EA-4820-ADE4-1AECEE067897}" presName="aSpace" presStyleCnt="0"/>
+      <dgm:spPr/>
+    </dgm:pt>
+    <dgm:pt modelId="{28EE9CDE-AADB-417B-BFB3-2E4EF02C10FA}" type="pres">
+      <dgm:prSet presAssocID="{E4971A5D-5135-42FE-BB3D-0A8685DCC019}" presName="aNode" presStyleLbl="fgAcc1" presStyleIdx="1" presStyleCnt="2">
+        <dgm:presLayoutVars>
+          <dgm:bulletEnabled val="1"/>
+        </dgm:presLayoutVars>
+      </dgm:prSet>
+      <dgm:spPr/>
+      <dgm:t>
+        <a:bodyPr/>
+        <a:lstStyle/>
+        <a:p>
+          <a:endParaRPr lang="en-US"/>
+        </a:p>
+      </dgm:t>
+    </dgm:pt>
+    <dgm:pt modelId="{096BE195-E7C1-4E44-B4BD-27603C1A499B}" type="pres">
+      <dgm:prSet presAssocID="{E4971A5D-5135-42FE-BB3D-0A8685DCC019}" presName="aSpace" presStyleCnt="0"/>
+      <dgm:spPr/>
+    </dgm:pt>
+  </dgm:ptLst>
+  <dgm:cxnLst>
+    <dgm:cxn modelId="{260BF225-1CA2-4D54-8578-E070EEFA25A9}" type="presOf" srcId="{E27A47D7-69EA-4820-ADE4-1AECEE067897}" destId="{22DD6A03-E79E-4185-AC88-3B74479F256C}" srcOrd="0" destOrd="0" presId="urn:microsoft.com/office/officeart/2005/8/layout/pyramid2"/>
+    <dgm:cxn modelId="{83FC2502-2F08-45D0-9035-36981AD64683}" srcId="{B7BF5E5C-7C05-41E7-80E8-9ABA021888A4}" destId="{E4971A5D-5135-42FE-BB3D-0A8685DCC019}" srcOrd="1" destOrd="0" parTransId="{0A863BE6-55B8-425E-A086-E0B5BB34382B}" sibTransId="{1A82D1C4-962C-429C-AD24-7A6394E25DCB}"/>
+    <dgm:cxn modelId="{1E2ADB97-C495-4054-ABED-4430699C6292}" type="presOf" srcId="{B7BF5E5C-7C05-41E7-80E8-9ABA021888A4}" destId="{57CBAB72-D913-444C-AD84-42CA9193FDFE}" srcOrd="0" destOrd="0" presId="urn:microsoft.com/office/officeart/2005/8/layout/pyramid2"/>
+    <dgm:cxn modelId="{F48E2CC0-AC30-4962-AAC4-9D393A29C3CD}" srcId="{B7BF5E5C-7C05-41E7-80E8-9ABA021888A4}" destId="{E27A47D7-69EA-4820-ADE4-1AECEE067897}" srcOrd="0" destOrd="0" parTransId="{E7458311-1313-4A23-8EF9-16C4B2A8A34B}" sibTransId="{CC4FF348-3F3B-4A65-9503-6D0260EB2BC3}"/>
+    <dgm:cxn modelId="{34222935-C822-48A0-BA5D-E145356DBCE2}" type="presOf" srcId="{E4971A5D-5135-42FE-BB3D-0A8685DCC019}" destId="{28EE9CDE-AADB-417B-BFB3-2E4EF02C10FA}" srcOrd="0" destOrd="0" presId="urn:microsoft.com/office/officeart/2005/8/layout/pyramid2"/>
+    <dgm:cxn modelId="{BBD00C7B-61AD-4A8F-A1AD-43A6D2DFB59C}" type="presParOf" srcId="{57CBAB72-D913-444C-AD84-42CA9193FDFE}" destId="{7055902E-54BB-4D1E-9893-F5A17E31E96E}" srcOrd="0" destOrd="0" presId="urn:microsoft.com/office/officeart/2005/8/layout/pyramid2"/>
+    <dgm:cxn modelId="{092E4B9D-08ED-41DA-9269-C003B542029B}" type="presParOf" srcId="{57CBAB72-D913-444C-AD84-42CA9193FDFE}" destId="{89229573-7562-4ECE-A1C9-68242A56A5E3}" srcOrd="1" destOrd="0" presId="urn:microsoft.com/office/officeart/2005/8/layout/pyramid2"/>
+    <dgm:cxn modelId="{AE9A90A3-94E2-40C4-9FDB-EA6E36C9A08D}" type="presParOf" srcId="{89229573-7562-4ECE-A1C9-68242A56A5E3}" destId="{22DD6A03-E79E-4185-AC88-3B74479F256C}" srcOrd="0" destOrd="0" presId="urn:microsoft.com/office/officeart/2005/8/layout/pyramid2"/>
+    <dgm:cxn modelId="{DD32494A-4792-416E-AAE5-BD12E6D9C4C5}" type="presParOf" srcId="{89229573-7562-4ECE-A1C9-68242A56A5E3}" destId="{7FED6E39-5F5C-443B-86A8-E0786CF36825}" srcOrd="1" destOrd="0" presId="urn:microsoft.com/office/officeart/2005/8/layout/pyramid2"/>
+    <dgm:cxn modelId="{1E905184-A60E-407C-BCD5-548207D73770}" type="presParOf" srcId="{89229573-7562-4ECE-A1C9-68242A56A5E3}" destId="{28EE9CDE-AADB-417B-BFB3-2E4EF02C10FA}" srcOrd="2" destOrd="0" presId="urn:microsoft.com/office/officeart/2005/8/layout/pyramid2"/>
+    <dgm:cxn modelId="{C1C9D317-A299-40C8-9D19-15BCD929BD4B}" type="presParOf" srcId="{89229573-7562-4ECE-A1C9-68242A56A5E3}" destId="{096BE195-E7C1-4E44-B4BD-27603C1A499B}" srcOrd="3" destOrd="0" presId="urn:microsoft.com/office/officeart/2005/8/layout/pyramid2"/>
+  </dgm:cxnLst>
+  <dgm:bg/>
+  <dgm:whole/>
+  <dgm:extLst>
+    <a:ext uri="http://schemas.microsoft.com/office/drawing/2008/diagram">
+      <dsp:dataModelExt xmlns:dsp="http://schemas.microsoft.com/office/drawing/2008/diagram" relId="rId6" minVer="http://schemas.openxmlformats.org/drawingml/2006/diagram"/>
+    </a:ext>
+  </dgm:extLst>
+</dgm:dataModel>
+</file>
+
+<file path=ppt/diagrams/data2.xml><?xml version="1.0" encoding="utf-8"?>
 <dgm:dataModel xmlns:dgm="http://schemas.openxmlformats.org/drawingml/2006/diagram" xmlns:a="http://schemas.openxmlformats.org/drawingml/2006/main">
   <dgm:ptLst>
     <dgm:pt modelId="{13F2706A-8868-40A6-B620-A02EE362C549}" type="doc">
@@ -1670,17 +2600,17 @@
       </dgm:t>
     </dgm:pt>
     <dgm:pt modelId="{0530463D-995A-4D5D-BE84-BE05A2724BF4}">
-      <dgm:prSet phldrT="[Text]"/>
+      <dgm:prSet phldrT="[Text]" custT="1"/>
       <dgm:spPr/>
       <dgm:t>
         <a:bodyPr/>
         <a:lstStyle/>
         <a:p>
           <a:r>
-            <a:rPr lang="en-US" dirty="0" smtClean="0"/>
+            <a:rPr lang="en-US" sz="1700" b="1" dirty="0" smtClean="0"/>
             <a:t>Learning &amp; Research</a:t>
           </a:r>
-          <a:endParaRPr lang="en-US" dirty="0"/>
+          <a:endParaRPr lang="en-US" sz="1700" b="1" dirty="0"/>
         </a:p>
       </dgm:t>
     </dgm:pt>
@@ -1707,23 +2637,23 @@
       </dgm:t>
     </dgm:pt>
     <dgm:pt modelId="{4E7CFC51-D90B-47F3-8F39-62D96E698348}">
-      <dgm:prSet phldrT="[Text]"/>
+      <dgm:prSet phldrT="[Text]" custT="1"/>
       <dgm:spPr/>
       <dgm:t>
         <a:bodyPr/>
         <a:lstStyle/>
         <a:p>
           <a:r>
-            <a:rPr lang="en-US" dirty="0" smtClean="0"/>
+            <a:rPr lang="en-US" sz="1700" b="1" dirty="0" smtClean="0"/>
             <a:t>public PC-pool </a:t>
           </a:r>
         </a:p>
         <a:p>
           <a:r>
-            <a:rPr lang="en-US" dirty="0" smtClean="0"/>
+            <a:rPr lang="en-US" sz="1700" b="1" dirty="0" smtClean="0"/>
             <a:t>(where downloading software is not allowed)</a:t>
           </a:r>
-          <a:endParaRPr lang="en-US" dirty="0"/>
+          <a:endParaRPr lang="en-US" sz="1700" b="1" dirty="0"/>
         </a:p>
       </dgm:t>
     </dgm:pt>
@@ -1750,17 +2680,17 @@
       </dgm:t>
     </dgm:pt>
     <dgm:pt modelId="{16D27905-618E-49A4-847C-DBA1A41F2235}">
-      <dgm:prSet phldrT="[Text]"/>
+      <dgm:prSet phldrT="[Text]" custT="1"/>
       <dgm:spPr/>
       <dgm:t>
         <a:bodyPr/>
         <a:lstStyle/>
         <a:p>
           <a:r>
-            <a:rPr lang="en-US" dirty="0" smtClean="0"/>
+            <a:rPr lang="en-US" sz="1700" b="1" dirty="0" smtClean="0"/>
             <a:t>Followers of simplicity principle</a:t>
           </a:r>
-          <a:endParaRPr lang="en-US" dirty="0"/>
+          <a:endParaRPr lang="en-US" sz="1700" b="1" dirty="0"/>
         </a:p>
       </dgm:t>
     </dgm:pt>
@@ -1796,21 +2726,49 @@
         </dgm:presLayoutVars>
       </dgm:prSet>
       <dgm:spPr/>
+      <dgm:t>
+        <a:bodyPr/>
+        <a:lstStyle/>
+        <a:p>
+          <a:endParaRPr lang="en-US"/>
+        </a:p>
+      </dgm:t>
     </dgm:pt>
     <dgm:pt modelId="{301C4C22-AE49-4CB4-8523-8729F19F38E4}" type="pres">
-      <dgm:prSet presAssocID="{9AE2B023-46E0-487C-BFD1-864A925D91D6}" presName="centerShape" presStyleLbl="node0" presStyleIdx="0" presStyleCnt="1" custLinFactNeighborY="-4034"/>
+      <dgm:prSet presAssocID="{9AE2B023-46E0-487C-BFD1-864A925D91D6}" presName="centerShape" presStyleLbl="node0" presStyleIdx="0" presStyleCnt="1" custLinFactNeighborY="-5992"/>
       <dgm:spPr/>
+      <dgm:t>
+        <a:bodyPr/>
+        <a:lstStyle/>
+        <a:p>
+          <a:endParaRPr lang="en-US"/>
+        </a:p>
+      </dgm:t>
     </dgm:pt>
     <dgm:pt modelId="{E817DFAB-00F7-4EE6-AD74-D68EB0716B51}" type="pres">
       <dgm:prSet presAssocID="{A3FF7F9A-3955-4EA2-9381-8C16780F4084}" presName="parTrans" presStyleLbl="sibTrans2D1" presStyleIdx="0" presStyleCnt="3"/>
       <dgm:spPr/>
+      <dgm:t>
+        <a:bodyPr/>
+        <a:lstStyle/>
+        <a:p>
+          <a:endParaRPr lang="en-US"/>
+        </a:p>
+      </dgm:t>
     </dgm:pt>
     <dgm:pt modelId="{5D5A6514-3BDD-41CA-9090-C8809C7A3BD6}" type="pres">
       <dgm:prSet presAssocID="{A3FF7F9A-3955-4EA2-9381-8C16780F4084}" presName="connectorText" presStyleLbl="sibTrans2D1" presStyleIdx="0" presStyleCnt="3"/>
       <dgm:spPr/>
+      <dgm:t>
+        <a:bodyPr/>
+        <a:lstStyle/>
+        <a:p>
+          <a:endParaRPr lang="en-US"/>
+        </a:p>
+      </dgm:t>
     </dgm:pt>
     <dgm:pt modelId="{F80D5C0D-9CA8-4B92-9CA0-F2075D0EC434}" type="pres">
-      <dgm:prSet presAssocID="{16D27905-618E-49A4-847C-DBA1A41F2235}" presName="node" presStyleLbl="node1" presStyleIdx="0" presStyleCnt="3" custScaleX="159538">
+      <dgm:prSet presAssocID="{16D27905-618E-49A4-847C-DBA1A41F2235}" presName="node" presStyleLbl="node1" presStyleIdx="0" presStyleCnt="3" custScaleX="223006">
         <dgm:presLayoutVars>
           <dgm:bulletEnabled val="1"/>
         </dgm:presLayoutVars>
@@ -1827,13 +2785,27 @@
     <dgm:pt modelId="{3C7CA0F0-4C9F-4F11-83F3-A90D7B112680}" type="pres">
       <dgm:prSet presAssocID="{AA1038E9-3C88-4BAA-9984-E3BDB1B31FD7}" presName="parTrans" presStyleLbl="sibTrans2D1" presStyleIdx="1" presStyleCnt="3"/>
       <dgm:spPr/>
+      <dgm:t>
+        <a:bodyPr/>
+        <a:lstStyle/>
+        <a:p>
+          <a:endParaRPr lang="en-US"/>
+        </a:p>
+      </dgm:t>
     </dgm:pt>
     <dgm:pt modelId="{8AF7FCC0-E7C2-409D-AFE6-E2987C4BABD7}" type="pres">
       <dgm:prSet presAssocID="{AA1038E9-3C88-4BAA-9984-E3BDB1B31FD7}" presName="connectorText" presStyleLbl="sibTrans2D1" presStyleIdx="1" presStyleCnt="3"/>
       <dgm:spPr/>
+      <dgm:t>
+        <a:bodyPr/>
+        <a:lstStyle/>
+        <a:p>
+          <a:endParaRPr lang="en-US"/>
+        </a:p>
+      </dgm:t>
     </dgm:pt>
     <dgm:pt modelId="{46671C63-D4D3-43A7-99CA-901D80721E07}" type="pres">
-      <dgm:prSet presAssocID="{0530463D-995A-4D5D-BE84-BE05A2724BF4}" presName="node" presStyleLbl="node1" presStyleIdx="1" presStyleCnt="3" custScaleX="159581">
+      <dgm:prSet presAssocID="{0530463D-995A-4D5D-BE84-BE05A2724BF4}" presName="node" presStyleLbl="node1" presStyleIdx="1" presStyleCnt="3" custScaleX="223067">
         <dgm:presLayoutVars>
           <dgm:bulletEnabled val="1"/>
         </dgm:presLayoutVars>
@@ -1850,13 +2822,27 @@
     <dgm:pt modelId="{DB0F3B86-FC1D-4467-B147-BC88B060A660}" type="pres">
       <dgm:prSet presAssocID="{FCBACD8A-9E5B-45F3-9961-45C2B5CEA93E}" presName="parTrans" presStyleLbl="sibTrans2D1" presStyleIdx="2" presStyleCnt="3"/>
       <dgm:spPr/>
+      <dgm:t>
+        <a:bodyPr/>
+        <a:lstStyle/>
+        <a:p>
+          <a:endParaRPr lang="en-US"/>
+        </a:p>
+      </dgm:t>
     </dgm:pt>
     <dgm:pt modelId="{DCAC4197-F2ED-41C2-9907-643DF8BECF31}" type="pres">
       <dgm:prSet presAssocID="{FCBACD8A-9E5B-45F3-9961-45C2B5CEA93E}" presName="connectorText" presStyleLbl="sibTrans2D1" presStyleIdx="2" presStyleCnt="3"/>
       <dgm:spPr/>
+      <dgm:t>
+        <a:bodyPr/>
+        <a:lstStyle/>
+        <a:p>
+          <a:endParaRPr lang="en-US"/>
+        </a:p>
+      </dgm:t>
     </dgm:pt>
     <dgm:pt modelId="{A6CB494E-34C8-4D7D-87B2-C170A3F2461F}" type="pres">
-      <dgm:prSet presAssocID="{4E7CFC51-D90B-47F3-8F39-62D96E698348}" presName="node" presStyleLbl="node1" presStyleIdx="2" presStyleCnt="3" custScaleX="159581">
+      <dgm:prSet presAssocID="{4E7CFC51-D90B-47F3-8F39-62D96E698348}" presName="node" presStyleLbl="node1" presStyleIdx="2" presStyleCnt="3" custScaleX="223067">
         <dgm:presLayoutVars>
           <dgm:bulletEnabled val="1"/>
         </dgm:presLayoutVars>
@@ -1872,21 +2858,21 @@
     </dgm:pt>
   </dgm:ptLst>
   <dgm:cxnLst>
+    <dgm:cxn modelId="{BB56BD19-3E8B-4645-89FE-EC621C0A0FF8}" type="presOf" srcId="{16D27905-618E-49A4-847C-DBA1A41F2235}" destId="{F80D5C0D-9CA8-4B92-9CA0-F2075D0EC434}" srcOrd="0" destOrd="0" presId="urn:microsoft.com/office/officeart/2005/8/layout/radial5"/>
+    <dgm:cxn modelId="{B99EF737-1558-4602-8FAA-1EB09CC123CC}" type="presOf" srcId="{4E7CFC51-D90B-47F3-8F39-62D96E698348}" destId="{A6CB494E-34C8-4D7D-87B2-C170A3F2461F}" srcOrd="0" destOrd="0" presId="urn:microsoft.com/office/officeart/2005/8/layout/radial5"/>
+    <dgm:cxn modelId="{65399CD0-CABA-4E51-8513-98117BDD7758}" type="presOf" srcId="{A3FF7F9A-3955-4EA2-9381-8C16780F4084}" destId="{E817DFAB-00F7-4EE6-AD74-D68EB0716B51}" srcOrd="0" destOrd="0" presId="urn:microsoft.com/office/officeart/2005/8/layout/radial5"/>
+    <dgm:cxn modelId="{8BD96395-5CC8-4BA4-8CA7-3F032E6B655C}" type="presOf" srcId="{A3FF7F9A-3955-4EA2-9381-8C16780F4084}" destId="{5D5A6514-3BDD-41CA-9090-C8809C7A3BD6}" srcOrd="1" destOrd="0" presId="urn:microsoft.com/office/officeart/2005/8/layout/radial5"/>
+    <dgm:cxn modelId="{97FB3C75-8909-414B-854F-720264C26785}" type="presOf" srcId="{AA1038E9-3C88-4BAA-9984-E3BDB1B31FD7}" destId="{3C7CA0F0-4C9F-4F11-83F3-A90D7B112680}" srcOrd="0" destOrd="0" presId="urn:microsoft.com/office/officeart/2005/8/layout/radial5"/>
+    <dgm:cxn modelId="{3E9AA053-00E0-47ED-AE18-390D6C79D95F}" srcId="{9AE2B023-46E0-487C-BFD1-864A925D91D6}" destId="{4E7CFC51-D90B-47F3-8F39-62D96E698348}" srcOrd="2" destOrd="0" parTransId="{FCBACD8A-9E5B-45F3-9961-45C2B5CEA93E}" sibTransId="{3BB99788-481B-40DD-B445-146DA9F3D23C}"/>
+    <dgm:cxn modelId="{23A70AF7-7695-4F2C-A04F-FB52832C66A0}" type="presOf" srcId="{0530463D-995A-4D5D-BE84-BE05A2724BF4}" destId="{46671C63-D4D3-43A7-99CA-901D80721E07}" srcOrd="0" destOrd="0" presId="urn:microsoft.com/office/officeart/2005/8/layout/radial5"/>
+    <dgm:cxn modelId="{570D6935-DE23-40B3-9E24-8022C75F8057}" srcId="{9AE2B023-46E0-487C-BFD1-864A925D91D6}" destId="{16D27905-618E-49A4-847C-DBA1A41F2235}" srcOrd="0" destOrd="0" parTransId="{A3FF7F9A-3955-4EA2-9381-8C16780F4084}" sibTransId="{C294CDF4-7623-437A-9693-DB9B083E48EB}"/>
+    <dgm:cxn modelId="{7FD59488-3BB6-42A0-AACF-5B0AECA15611}" type="presOf" srcId="{13F2706A-8868-40A6-B620-A02EE362C549}" destId="{2E08D92E-91B8-48FA-AE8D-12AC19D96F28}" srcOrd="0" destOrd="0" presId="urn:microsoft.com/office/officeart/2005/8/layout/radial5"/>
+    <dgm:cxn modelId="{B50C23A1-A4FF-42AE-BA4F-269FC3B60532}" type="presOf" srcId="{9AE2B023-46E0-487C-BFD1-864A925D91D6}" destId="{301C4C22-AE49-4CB4-8523-8729F19F38E4}" srcOrd="0" destOrd="0" presId="urn:microsoft.com/office/officeart/2005/8/layout/radial5"/>
+    <dgm:cxn modelId="{05856553-21EE-40A2-B524-55DF4B77CC01}" type="presOf" srcId="{FCBACD8A-9E5B-45F3-9961-45C2B5CEA93E}" destId="{DCAC4197-F2ED-41C2-9907-643DF8BECF31}" srcOrd="1" destOrd="0" presId="urn:microsoft.com/office/officeart/2005/8/layout/radial5"/>
+    <dgm:cxn modelId="{E3BF37CE-98ED-489A-866B-23AB395F0087}" srcId="{13F2706A-8868-40A6-B620-A02EE362C549}" destId="{9AE2B023-46E0-487C-BFD1-864A925D91D6}" srcOrd="0" destOrd="0" parTransId="{824384D2-CD36-4A0C-B965-EDDBE7134C7C}" sibTransId="{A3BBEBF3-F439-4B3F-81FA-FFD4EC90CCCD}"/>
     <dgm:cxn modelId="{9C55AF58-C214-460C-B488-8841E04D98EF}" type="presOf" srcId="{AA1038E9-3C88-4BAA-9984-E3BDB1B31FD7}" destId="{8AF7FCC0-E7C2-409D-AFE6-E2987C4BABD7}" srcOrd="1" destOrd="0" presId="urn:microsoft.com/office/officeart/2005/8/layout/radial5"/>
-    <dgm:cxn modelId="{570D6935-DE23-40B3-9E24-8022C75F8057}" srcId="{9AE2B023-46E0-487C-BFD1-864A925D91D6}" destId="{16D27905-618E-49A4-847C-DBA1A41F2235}" srcOrd="0" destOrd="0" parTransId="{A3FF7F9A-3955-4EA2-9381-8C16780F4084}" sibTransId="{C294CDF4-7623-437A-9693-DB9B083E48EB}"/>
-    <dgm:cxn modelId="{65399CD0-CABA-4E51-8513-98117BDD7758}" type="presOf" srcId="{A3FF7F9A-3955-4EA2-9381-8C16780F4084}" destId="{E817DFAB-00F7-4EE6-AD74-D68EB0716B51}" srcOrd="0" destOrd="0" presId="urn:microsoft.com/office/officeart/2005/8/layout/radial5"/>
-    <dgm:cxn modelId="{E3BF37CE-98ED-489A-866B-23AB395F0087}" srcId="{13F2706A-8868-40A6-B620-A02EE362C549}" destId="{9AE2B023-46E0-487C-BFD1-864A925D91D6}" srcOrd="0" destOrd="0" parTransId="{824384D2-CD36-4A0C-B965-EDDBE7134C7C}" sibTransId="{A3BBEBF3-F439-4B3F-81FA-FFD4EC90CCCD}"/>
-    <dgm:cxn modelId="{97FB3C75-8909-414B-854F-720264C26785}" type="presOf" srcId="{AA1038E9-3C88-4BAA-9984-E3BDB1B31FD7}" destId="{3C7CA0F0-4C9F-4F11-83F3-A90D7B112680}" srcOrd="0" destOrd="0" presId="urn:microsoft.com/office/officeart/2005/8/layout/radial5"/>
-    <dgm:cxn modelId="{23A70AF7-7695-4F2C-A04F-FB52832C66A0}" type="presOf" srcId="{0530463D-995A-4D5D-BE84-BE05A2724BF4}" destId="{46671C63-D4D3-43A7-99CA-901D80721E07}" srcOrd="0" destOrd="0" presId="urn:microsoft.com/office/officeart/2005/8/layout/radial5"/>
-    <dgm:cxn modelId="{8BD96395-5CC8-4BA4-8CA7-3F032E6B655C}" type="presOf" srcId="{A3FF7F9A-3955-4EA2-9381-8C16780F4084}" destId="{5D5A6514-3BDD-41CA-9090-C8809C7A3BD6}" srcOrd="1" destOrd="0" presId="urn:microsoft.com/office/officeart/2005/8/layout/radial5"/>
-    <dgm:cxn modelId="{3E9AA053-00E0-47ED-AE18-390D6C79D95F}" srcId="{9AE2B023-46E0-487C-BFD1-864A925D91D6}" destId="{4E7CFC51-D90B-47F3-8F39-62D96E698348}" srcOrd="2" destOrd="0" parTransId="{FCBACD8A-9E5B-45F3-9961-45C2B5CEA93E}" sibTransId="{3BB99788-481B-40DD-B445-146DA9F3D23C}"/>
-    <dgm:cxn modelId="{B99EF737-1558-4602-8FAA-1EB09CC123CC}" type="presOf" srcId="{4E7CFC51-D90B-47F3-8F39-62D96E698348}" destId="{A6CB494E-34C8-4D7D-87B2-C170A3F2461F}" srcOrd="0" destOrd="0" presId="urn:microsoft.com/office/officeart/2005/8/layout/radial5"/>
-    <dgm:cxn modelId="{7FD59488-3BB6-42A0-AACF-5B0AECA15611}" type="presOf" srcId="{13F2706A-8868-40A6-B620-A02EE362C549}" destId="{2E08D92E-91B8-48FA-AE8D-12AC19D96F28}" srcOrd="0" destOrd="0" presId="urn:microsoft.com/office/officeart/2005/8/layout/radial5"/>
-    <dgm:cxn modelId="{05856553-21EE-40A2-B524-55DF4B77CC01}" type="presOf" srcId="{FCBACD8A-9E5B-45F3-9961-45C2B5CEA93E}" destId="{DCAC4197-F2ED-41C2-9907-643DF8BECF31}" srcOrd="1" destOrd="0" presId="urn:microsoft.com/office/officeart/2005/8/layout/radial5"/>
-    <dgm:cxn modelId="{B50C23A1-A4FF-42AE-BA4F-269FC3B60532}" type="presOf" srcId="{9AE2B023-46E0-487C-BFD1-864A925D91D6}" destId="{301C4C22-AE49-4CB4-8523-8729F19F38E4}" srcOrd="0" destOrd="0" presId="urn:microsoft.com/office/officeart/2005/8/layout/radial5"/>
+    <dgm:cxn modelId="{65482DD6-3F96-49E2-A07B-7C902D63F0D1}" type="presOf" srcId="{FCBACD8A-9E5B-45F3-9961-45C2B5CEA93E}" destId="{DB0F3B86-FC1D-4467-B147-BC88B060A660}" srcOrd="0" destOrd="0" presId="urn:microsoft.com/office/officeart/2005/8/layout/radial5"/>
     <dgm:cxn modelId="{1738D9DB-927E-4E9E-A2ED-32D46B407723}" srcId="{9AE2B023-46E0-487C-BFD1-864A925D91D6}" destId="{0530463D-995A-4D5D-BE84-BE05A2724BF4}" srcOrd="1" destOrd="0" parTransId="{AA1038E9-3C88-4BAA-9984-E3BDB1B31FD7}" sibTransId="{3E8E32C2-046E-41B8-A910-21E92CFF79C4}"/>
-    <dgm:cxn modelId="{65482DD6-3F96-49E2-A07B-7C902D63F0D1}" type="presOf" srcId="{FCBACD8A-9E5B-45F3-9961-45C2B5CEA93E}" destId="{DB0F3B86-FC1D-4467-B147-BC88B060A660}" srcOrd="0" destOrd="0" presId="urn:microsoft.com/office/officeart/2005/8/layout/radial5"/>
-    <dgm:cxn modelId="{BB56BD19-3E8B-4645-89FE-EC621C0A0FF8}" type="presOf" srcId="{16D27905-618E-49A4-847C-DBA1A41F2235}" destId="{F80D5C0D-9CA8-4B92-9CA0-F2075D0EC434}" srcOrd="0" destOrd="0" presId="urn:microsoft.com/office/officeart/2005/8/layout/radial5"/>
     <dgm:cxn modelId="{22733A33-2A65-4302-8330-DE77CE22EC2B}" type="presParOf" srcId="{2E08D92E-91B8-48FA-AE8D-12AC19D96F28}" destId="{301C4C22-AE49-4CB4-8523-8729F19F38E4}" srcOrd="0" destOrd="0" presId="urn:microsoft.com/office/officeart/2005/8/layout/radial5"/>
     <dgm:cxn modelId="{8E446417-4EF4-49FB-A547-9550914D7DC3}" type="presParOf" srcId="{2E08D92E-91B8-48FA-AE8D-12AC19D96F28}" destId="{E817DFAB-00F7-4EE6-AD74-D68EB0716B51}" srcOrd="1" destOrd="0" presId="urn:microsoft.com/office/officeart/2005/8/layout/radial5"/>
     <dgm:cxn modelId="{BE9A5C40-0F21-4C16-829C-DB67FF52BBC1}" type="presParOf" srcId="{E817DFAB-00F7-4EE6-AD74-D68EB0716B51}" destId="{5D5A6514-3BDD-41CA-9090-C8809C7A3BD6}" srcOrd="0" destOrd="0" presId="urn:microsoft.com/office/officeart/2005/8/layout/radial5"/>
@@ -1908,7 +2894,7 @@
 </dgm:dataModel>
 </file>
 
-<file path=ppt/diagrams/data2.xml><?xml version="1.0" encoding="utf-8"?>
+<file path=ppt/diagrams/data3.xml><?xml version="1.0" encoding="utf-8"?>
 <dgm:dataModel xmlns:dgm="http://schemas.openxmlformats.org/drawingml/2006/diagram" xmlns:a="http://schemas.openxmlformats.org/drawingml/2006/main">
   <dgm:ptLst>
     <dgm:pt modelId="{93BC5730-6C87-42E5-9B15-63A36BE9F294}" type="doc">
@@ -2256,6 +3242,270 @@
       <dsp:cNvGrpSpPr/>
     </dsp:nvGrpSpPr>
     <dsp:grpSpPr/>
+    <dsp:sp modelId="{7055902E-54BB-4D1E-9893-F5A17E31E96E}">
+      <dsp:nvSpPr>
+        <dsp:cNvPr id="0" name=""/>
+        <dsp:cNvSpPr/>
+      </dsp:nvSpPr>
+      <dsp:spPr>
+        <a:xfrm>
+          <a:off x="711199" y="0"/>
+          <a:ext cx="4064000" cy="4064000"/>
+        </a:xfrm>
+        <a:prstGeom prst="triangle">
+          <a:avLst/>
+        </a:prstGeom>
+        <a:solidFill>
+          <a:schemeClr val="accent1">
+            <a:hueOff val="0"/>
+            <a:satOff val="0"/>
+            <a:lumOff val="0"/>
+            <a:alphaOff val="0"/>
+          </a:schemeClr>
+        </a:solidFill>
+        <a:ln w="25400" cap="flat" cmpd="sng" algn="ctr">
+          <a:solidFill>
+            <a:schemeClr val="lt1">
+              <a:hueOff val="0"/>
+              <a:satOff val="0"/>
+              <a:lumOff val="0"/>
+              <a:alphaOff val="0"/>
+            </a:schemeClr>
+          </a:solidFill>
+          <a:prstDash val="solid"/>
+        </a:ln>
+        <a:effectLst/>
+      </dsp:spPr>
+      <dsp:style>
+        <a:lnRef idx="2">
+          <a:scrgbClr r="0" g="0" b="0"/>
+        </a:lnRef>
+        <a:fillRef idx="1">
+          <a:scrgbClr r="0" g="0" b="0"/>
+        </a:fillRef>
+        <a:effectRef idx="0">
+          <a:scrgbClr r="0" g="0" b="0"/>
+        </a:effectRef>
+        <a:fontRef idx="minor">
+          <a:schemeClr val="lt1"/>
+        </a:fontRef>
+      </dsp:style>
+    </dsp:sp>
+    <dsp:sp modelId="{22DD6A03-E79E-4185-AC88-3B74479F256C}">
+      <dsp:nvSpPr>
+        <dsp:cNvPr id="0" name=""/>
+        <dsp:cNvSpPr/>
+      </dsp:nvSpPr>
+      <dsp:spPr>
+        <a:xfrm>
+          <a:off x="2743199" y="406796"/>
+          <a:ext cx="2641600" cy="1444624"/>
+        </a:xfrm>
+        <a:prstGeom prst="roundRect">
+          <a:avLst/>
+        </a:prstGeom>
+        <a:solidFill>
+          <a:schemeClr val="lt1">
+            <a:alpha val="90000"/>
+            <a:hueOff val="0"/>
+            <a:satOff val="0"/>
+            <a:lumOff val="0"/>
+            <a:alphaOff val="0"/>
+          </a:schemeClr>
+        </a:solidFill>
+        <a:ln w="25400" cap="flat" cmpd="sng" algn="ctr">
+          <a:solidFill>
+            <a:schemeClr val="accent1">
+              <a:hueOff val="0"/>
+              <a:satOff val="0"/>
+              <a:lumOff val="0"/>
+              <a:alphaOff val="0"/>
+            </a:schemeClr>
+          </a:solidFill>
+          <a:prstDash val="solid"/>
+        </a:ln>
+        <a:effectLst/>
+      </dsp:spPr>
+      <dsp:style>
+        <a:lnRef idx="2">
+          <a:scrgbClr r="0" g="0" b="0"/>
+        </a:lnRef>
+        <a:fillRef idx="1">
+          <a:scrgbClr r="0" g="0" b="0"/>
+        </a:fillRef>
+        <a:effectRef idx="0">
+          <a:scrgbClr r="0" g="0" b="0"/>
+        </a:effectRef>
+        <a:fontRef idx="minor"/>
+      </dsp:style>
+      <dsp:txBody>
+        <a:bodyPr spcFirstLastPara="0" vert="horz" wrap="square" lIns="53340" tIns="53340" rIns="53340" bIns="53340" numCol="1" spcCol="1270" anchor="ctr" anchorCtr="0">
+          <a:noAutofit/>
+        </a:bodyPr>
+        <a:lstStyle/>
+        <a:p>
+          <a:pPr lvl="0" algn="l" defTabSz="622300">
+            <a:lnSpc>
+              <a:spcPct val="90000"/>
+            </a:lnSpc>
+            <a:spcBef>
+              <a:spcPct val="0"/>
+            </a:spcBef>
+            <a:spcAft>
+              <a:spcPct val="35000"/>
+            </a:spcAft>
+          </a:pPr>
+          <a:r>
+            <a:rPr lang="en-US" sz="1400" b="1" kern="1200" dirty="0" smtClean="0"/>
+            <a:t>Objective: </a:t>
+          </a:r>
+        </a:p>
+        <a:p>
+          <a:pPr lvl="0" algn="l" defTabSz="622300">
+            <a:lnSpc>
+              <a:spcPct val="90000"/>
+            </a:lnSpc>
+            <a:spcBef>
+              <a:spcPct val="0"/>
+            </a:spcBef>
+            <a:spcAft>
+              <a:spcPct val="35000"/>
+            </a:spcAft>
+          </a:pPr>
+          <a:r>
+            <a:rPr lang="en-US" sz="1400" kern="1200" dirty="0" smtClean="0"/>
+            <a:t>Enabling simple but compact instant messaging between users </a:t>
+          </a:r>
+          <a:endParaRPr lang="en-US" sz="1400" kern="1200" dirty="0"/>
+        </a:p>
+      </dsp:txBody>
+      <dsp:txXfrm>
+        <a:off x="2813720" y="477317"/>
+        <a:ext cx="2500558" cy="1303582"/>
+      </dsp:txXfrm>
+    </dsp:sp>
+    <dsp:sp modelId="{28EE9CDE-AADB-417B-BFB3-2E4EF02C10FA}">
+      <dsp:nvSpPr>
+        <dsp:cNvPr id="0" name=""/>
+        <dsp:cNvSpPr/>
+      </dsp:nvSpPr>
+      <dsp:spPr>
+        <a:xfrm>
+          <a:off x="2743199" y="2032000"/>
+          <a:ext cx="2641600" cy="1444624"/>
+        </a:xfrm>
+        <a:prstGeom prst="roundRect">
+          <a:avLst/>
+        </a:prstGeom>
+        <a:solidFill>
+          <a:schemeClr val="lt1">
+            <a:alpha val="90000"/>
+            <a:hueOff val="0"/>
+            <a:satOff val="0"/>
+            <a:lumOff val="0"/>
+            <a:alphaOff val="0"/>
+          </a:schemeClr>
+        </a:solidFill>
+        <a:ln w="25400" cap="flat" cmpd="sng" algn="ctr">
+          <a:solidFill>
+            <a:schemeClr val="accent1">
+              <a:hueOff val="0"/>
+              <a:satOff val="0"/>
+              <a:lumOff val="0"/>
+              <a:alphaOff val="0"/>
+            </a:schemeClr>
+          </a:solidFill>
+          <a:prstDash val="solid"/>
+        </a:ln>
+        <a:effectLst/>
+      </dsp:spPr>
+      <dsp:style>
+        <a:lnRef idx="2">
+          <a:scrgbClr r="0" g="0" b="0"/>
+        </a:lnRef>
+        <a:fillRef idx="1">
+          <a:scrgbClr r="0" g="0" b="0"/>
+        </a:fillRef>
+        <a:effectRef idx="0">
+          <a:scrgbClr r="0" g="0" b="0"/>
+        </a:effectRef>
+        <a:fontRef idx="minor"/>
+      </dsp:style>
+      <dsp:txBody>
+        <a:bodyPr spcFirstLastPara="0" vert="horz" wrap="square" lIns="53340" tIns="53340" rIns="53340" bIns="53340" numCol="1" spcCol="1270" anchor="ctr" anchorCtr="0">
+          <a:noAutofit/>
+        </a:bodyPr>
+        <a:lstStyle/>
+        <a:p>
+          <a:pPr lvl="0" algn="l" defTabSz="622300">
+            <a:lnSpc>
+              <a:spcPct val="90000"/>
+            </a:lnSpc>
+            <a:spcBef>
+              <a:spcPct val="0"/>
+            </a:spcBef>
+            <a:spcAft>
+              <a:spcPct val="35000"/>
+            </a:spcAft>
+          </a:pPr>
+          <a:r>
+            <a:rPr lang="en-US" sz="1400" b="1" kern="1200" dirty="0" smtClean="0"/>
+            <a:t>Main features:</a:t>
+          </a:r>
+        </a:p>
+        <a:p>
+          <a:pPr lvl="0" algn="l" defTabSz="622300">
+            <a:lnSpc>
+              <a:spcPct val="90000"/>
+            </a:lnSpc>
+            <a:spcBef>
+              <a:spcPct val="0"/>
+            </a:spcBef>
+            <a:spcAft>
+              <a:spcPct val="35000"/>
+            </a:spcAft>
+          </a:pPr>
+          <a:r>
+            <a:rPr lang="en-US" sz="1400" b="0" kern="1200" smtClean="0"/>
+            <a:t>profile, </a:t>
+          </a:r>
+          <a:r>
+            <a:rPr lang="en-US" sz="1400" b="0" kern="1200" dirty="0" smtClean="0"/>
+            <a:t>contact, request and message management</a:t>
+          </a:r>
+        </a:p>
+        <a:p>
+          <a:pPr lvl="0" algn="l" defTabSz="622300">
+            <a:lnSpc>
+              <a:spcPct val="90000"/>
+            </a:lnSpc>
+            <a:spcBef>
+              <a:spcPct val="0"/>
+            </a:spcBef>
+            <a:spcAft>
+              <a:spcPct val="35000"/>
+            </a:spcAft>
+          </a:pPr>
+          <a:endParaRPr lang="en-US" sz="1100" b="0" kern="1200" dirty="0"/>
+        </a:p>
+      </dsp:txBody>
+      <dsp:txXfrm>
+        <a:off x="2813720" y="2102521"/>
+        <a:ext cx="2500558" cy="1303582"/>
+      </dsp:txXfrm>
+    </dsp:sp>
+  </dsp:spTree>
+</dsp:drawing>
+</file>
+
+<file path=ppt/diagrams/drawing2.xml><?xml version="1.0" encoding="utf-8"?>
+<dsp:drawing xmlns:dgm="http://schemas.openxmlformats.org/drawingml/2006/diagram" xmlns:dsp="http://schemas.microsoft.com/office/drawing/2008/diagram" xmlns:a="http://schemas.openxmlformats.org/drawingml/2006/main">
+  <dsp:spTree>
+    <dsp:nvGrpSpPr>
+      <dsp:cNvPr id="0" name=""/>
+      <dsp:cNvGrpSpPr/>
+    </dsp:nvGrpSpPr>
+    <dsp:grpSpPr/>
     <dsp:sp modelId="{301C4C22-AE49-4CB4-8523-8729F19F38E4}">
       <dsp:nvSpPr>
         <dsp:cNvPr id="0" name=""/>
@@ -2263,8 +3513,8 @@
       </dsp:nvSpPr>
       <dsp:spPr>
         <a:xfrm>
-          <a:off x="2478454" y="1756996"/>
-          <a:ext cx="1139090" cy="1139090"/>
+          <a:off x="2393156" y="1615714"/>
+          <a:ext cx="1309687" cy="1309687"/>
         </a:xfrm>
         <a:prstGeom prst="ellipse">
           <a:avLst/>
@@ -2302,12 +3552,12 @@
         </a:fontRef>
       </dsp:style>
       <dsp:txBody>
-        <a:bodyPr spcFirstLastPara="0" vert="horz" wrap="square" lIns="60960" tIns="60960" rIns="60960" bIns="60960" numCol="1" spcCol="1270" anchor="ctr" anchorCtr="0">
+        <a:bodyPr spcFirstLastPara="0" vert="horz" wrap="square" lIns="69850" tIns="69850" rIns="69850" bIns="69850" numCol="1" spcCol="1270" anchor="ctr" anchorCtr="0">
           <a:noAutofit/>
         </a:bodyPr>
         <a:lstStyle/>
         <a:p>
-          <a:pPr lvl="0" algn="ctr" defTabSz="2133600">
+          <a:pPr lvl="0" algn="ctr" defTabSz="2444750">
             <a:lnSpc>
               <a:spcPct val="90000"/>
             </a:lnSpc>
@@ -2319,15 +3569,15 @@
             </a:spcAft>
           </a:pPr>
           <a:r>
-            <a:rPr lang="en-US" sz="4800" kern="1200" dirty="0" smtClean="0"/>
+            <a:rPr lang="en-US" sz="5500" kern="1200" dirty="0" smtClean="0"/>
             <a:t>IM</a:t>
           </a:r>
-          <a:endParaRPr lang="en-US" sz="4800" kern="1200" dirty="0"/>
+          <a:endParaRPr lang="en-US" sz="5500" kern="1200" dirty="0"/>
         </a:p>
       </dsp:txBody>
       <dsp:txXfrm>
-        <a:off x="2645270" y="1923812"/>
-        <a:ext cx="805458" cy="805458"/>
+        <a:off x="2584955" y="1807513"/>
+        <a:ext cx="926089" cy="926089"/>
       </dsp:txXfrm>
     </dsp:sp>
     <dsp:sp modelId="{E817DFAB-00F7-4EE6-AD74-D68EB0716B51}">
@@ -2337,8 +3587,8 @@
       </dsp:nvSpPr>
       <dsp:spPr>
         <a:xfrm rot="16200000">
-          <a:off x="2963801" y="1409251"/>
-          <a:ext cx="168397" cy="387290"/>
+          <a:off x="2967578" y="1245880"/>
+          <a:ext cx="160843" cy="445293"/>
         </a:xfrm>
         <a:prstGeom prst="rightArrow">
           <a:avLst>
@@ -2380,7 +3630,7 @@
         </a:bodyPr>
         <a:lstStyle/>
         <a:p>
-          <a:pPr lvl="0" algn="ctr" defTabSz="622300">
+          <a:pPr lvl="0" algn="ctr" defTabSz="844550">
             <a:lnSpc>
               <a:spcPct val="90000"/>
             </a:lnSpc>
@@ -2391,12 +3641,12 @@
               <a:spcPct val="35000"/>
             </a:spcAft>
           </a:pPr>
-          <a:endParaRPr lang="en-US" sz="1400" kern="1200"/>
+          <a:endParaRPr lang="en-US" sz="1900" kern="1200"/>
         </a:p>
       </dsp:txBody>
       <dsp:txXfrm>
-        <a:off x="2989061" y="1511969"/>
-        <a:ext cx="117878" cy="232374"/>
+        <a:off x="2991705" y="1359066"/>
+        <a:ext cx="112590" cy="267175"/>
       </dsp:txXfrm>
     </dsp:sp>
     <dsp:sp modelId="{F80D5C0D-9CA8-4B92-9CA0-F2075D0EC434}">
@@ -2406,8 +3656,8 @@
       </dsp:nvSpPr>
       <dsp:spPr>
         <a:xfrm>
-          <a:off x="1912198" y="15401"/>
-          <a:ext cx="2271603" cy="1423863"/>
+          <a:off x="1587659" y="2548"/>
+          <a:ext cx="2920681" cy="1309687"/>
         </a:xfrm>
         <a:prstGeom prst="ellipse">
           <a:avLst/>
@@ -2448,12 +3698,12 @@
         </a:fontRef>
       </dsp:style>
       <dsp:txBody>
-        <a:bodyPr spcFirstLastPara="0" vert="horz" wrap="square" lIns="17780" tIns="17780" rIns="17780" bIns="17780" numCol="1" spcCol="1270" anchor="ctr" anchorCtr="0">
+        <a:bodyPr spcFirstLastPara="0" vert="horz" wrap="square" lIns="21590" tIns="21590" rIns="21590" bIns="21590" numCol="1" spcCol="1270" anchor="ctr" anchorCtr="0">
           <a:noAutofit/>
         </a:bodyPr>
         <a:lstStyle/>
         <a:p>
-          <a:pPr lvl="0" algn="ctr" defTabSz="622300">
+          <a:pPr lvl="0" algn="ctr" defTabSz="755650">
             <a:lnSpc>
               <a:spcPct val="90000"/>
             </a:lnSpc>
@@ -2465,15 +3715,15 @@
             </a:spcAft>
           </a:pPr>
           <a:r>
-            <a:rPr lang="en-US" sz="1400" kern="1200" dirty="0" smtClean="0"/>
+            <a:rPr lang="en-US" sz="1700" b="1" kern="1200" dirty="0" smtClean="0"/>
             <a:t>Followers of simplicity principle</a:t>
           </a:r>
-          <a:endParaRPr lang="en-US" sz="1400" kern="1200" dirty="0"/>
+          <a:endParaRPr lang="en-US" sz="1700" b="1" kern="1200" dirty="0"/>
         </a:p>
       </dsp:txBody>
       <dsp:txXfrm>
-        <a:off x="2244867" y="223921"/>
-        <a:ext cx="1606265" cy="1006823"/>
+        <a:off x="2015383" y="194347"/>
+        <a:ext cx="2065233" cy="926089"/>
       </dsp:txXfrm>
     </dsp:sp>
     <dsp:sp modelId="{3C7CA0F0-4C9F-4F11-83F3-A90D7B112680}">
@@ -2482,9 +3732,9 @@
         <dsp:cNvSpPr/>
       </dsp:nvSpPr>
       <dsp:spPr>
-        <a:xfrm rot="2030538">
-          <a:off x="3563815" y="2533889"/>
-          <a:ext cx="164450" cy="387290"/>
+        <a:xfrm rot="2135545">
+          <a:off x="3624956" y="2526016"/>
+          <a:ext cx="182080" cy="445293"/>
         </a:xfrm>
         <a:prstGeom prst="rightArrow">
           <a:avLst>
@@ -2526,7 +3776,7 @@
         </a:bodyPr>
         <a:lstStyle/>
         <a:p>
-          <a:pPr lvl="0" algn="ctr" defTabSz="622300">
+          <a:pPr lvl="0" algn="ctr" defTabSz="844550">
             <a:lnSpc>
               <a:spcPct val="90000"/>
             </a:lnSpc>
@@ -2537,12 +3787,12 @@
               <a:spcPct val="35000"/>
             </a:spcAft>
           </a:pPr>
-          <a:endParaRPr lang="en-US" sz="1400" kern="1200"/>
+          <a:endParaRPr lang="en-US" sz="1900" kern="1200"/>
         </a:p>
       </dsp:txBody>
       <dsp:txXfrm>
-        <a:off x="3567994" y="2597609"/>
-        <a:ext cx="115115" cy="232374"/>
+        <a:off x="3630058" y="2599179"/>
+        <a:ext cx="127456" cy="267175"/>
       </dsp:txXfrm>
     </dsp:sp>
     <dsp:sp modelId="{46671C63-D4D3-43A7-99CA-901D80721E07}">
@@ -2552,8 +3802,8 @@
       </dsp:nvSpPr>
       <dsp:spPr>
         <a:xfrm>
-          <a:off x="3418391" y="2624734"/>
-          <a:ext cx="2272215" cy="1423863"/>
+          <a:off x="3174519" y="2751763"/>
+          <a:ext cx="2921480" cy="1309687"/>
         </a:xfrm>
         <a:prstGeom prst="ellipse">
           <a:avLst/>
@@ -2594,12 +3844,12 @@
         </a:fontRef>
       </dsp:style>
       <dsp:txBody>
-        <a:bodyPr spcFirstLastPara="0" vert="horz" wrap="square" lIns="17780" tIns="17780" rIns="17780" bIns="17780" numCol="1" spcCol="1270" anchor="ctr" anchorCtr="0">
+        <a:bodyPr spcFirstLastPara="0" vert="horz" wrap="square" lIns="21590" tIns="21590" rIns="21590" bIns="21590" numCol="1" spcCol="1270" anchor="ctr" anchorCtr="0">
           <a:noAutofit/>
         </a:bodyPr>
         <a:lstStyle/>
         <a:p>
-          <a:pPr lvl="0" algn="ctr" defTabSz="622300">
+          <a:pPr lvl="0" algn="ctr" defTabSz="755650">
             <a:lnSpc>
               <a:spcPct val="90000"/>
             </a:lnSpc>
@@ -2611,15 +3861,15 @@
             </a:spcAft>
           </a:pPr>
           <a:r>
-            <a:rPr lang="en-US" sz="1400" kern="1200" dirty="0" smtClean="0"/>
+            <a:rPr lang="en-US" sz="1700" b="1" kern="1200" dirty="0" smtClean="0"/>
             <a:t>Learning &amp; Research</a:t>
           </a:r>
-          <a:endParaRPr lang="en-US" sz="1400" kern="1200" dirty="0"/>
+          <a:endParaRPr lang="en-US" sz="1700" b="1" kern="1200" dirty="0"/>
         </a:p>
       </dsp:txBody>
       <dsp:txXfrm>
-        <a:off x="3751149" y="2833254"/>
-        <a:ext cx="1606699" cy="1006823"/>
+        <a:off x="3602360" y="2943562"/>
+        <a:ext cx="2065798" cy="926089"/>
       </dsp:txXfrm>
     </dsp:sp>
     <dsp:sp modelId="{DB0F3B86-FC1D-4467-B147-BC88B060A660}">
@@ -2628,9 +3878,9 @@
         <dsp:cNvSpPr/>
       </dsp:nvSpPr>
       <dsp:spPr>
-        <a:xfrm rot="8769462">
-          <a:off x="2367734" y="2533889"/>
-          <a:ext cx="164450" cy="387290"/>
+        <a:xfrm rot="8664455">
+          <a:off x="2288963" y="2526016"/>
+          <a:ext cx="182080" cy="445293"/>
         </a:xfrm>
         <a:prstGeom prst="rightArrow">
           <a:avLst>
@@ -2672,7 +3922,7 @@
         </a:bodyPr>
         <a:lstStyle/>
         <a:p>
-          <a:pPr lvl="0" algn="ctr" defTabSz="622300">
+          <a:pPr lvl="0" algn="ctr" defTabSz="844550">
             <a:lnSpc>
               <a:spcPct val="90000"/>
             </a:lnSpc>
@@ -2683,12 +3933,12 @@
               <a:spcPct val="35000"/>
             </a:spcAft>
           </a:pPr>
-          <a:endParaRPr lang="en-US" sz="1400" kern="1200"/>
+          <a:endParaRPr lang="en-US" sz="1900" kern="1200"/>
         </a:p>
       </dsp:txBody>
       <dsp:txXfrm rot="10800000">
-        <a:off x="2412890" y="2597609"/>
-        <a:ext cx="115115" cy="232374"/>
+        <a:off x="2338485" y="2599179"/>
+        <a:ext cx="127456" cy="267175"/>
       </dsp:txXfrm>
     </dsp:sp>
     <dsp:sp modelId="{A6CB494E-34C8-4D7D-87B2-C170A3F2461F}">
@@ -2698,8 +3948,8 @@
       </dsp:nvSpPr>
       <dsp:spPr>
         <a:xfrm>
-          <a:off x="405392" y="2624734"/>
-          <a:ext cx="2272215" cy="1423863"/>
+          <a:off x="0" y="2751763"/>
+          <a:ext cx="2921480" cy="1309687"/>
         </a:xfrm>
         <a:prstGeom prst="ellipse">
           <a:avLst/>
@@ -2740,12 +3990,12 @@
         </a:fontRef>
       </dsp:style>
       <dsp:txBody>
-        <a:bodyPr spcFirstLastPara="0" vert="horz" wrap="square" lIns="17780" tIns="17780" rIns="17780" bIns="17780" numCol="1" spcCol="1270" anchor="ctr" anchorCtr="0">
+        <a:bodyPr spcFirstLastPara="0" vert="horz" wrap="square" lIns="21590" tIns="21590" rIns="21590" bIns="21590" numCol="1" spcCol="1270" anchor="ctr" anchorCtr="0">
           <a:noAutofit/>
         </a:bodyPr>
         <a:lstStyle/>
         <a:p>
-          <a:pPr lvl="0" algn="ctr" defTabSz="622300">
+          <a:pPr lvl="0" algn="ctr" defTabSz="755650">
             <a:lnSpc>
               <a:spcPct val="90000"/>
             </a:lnSpc>
@@ -2757,12 +4007,12 @@
             </a:spcAft>
           </a:pPr>
           <a:r>
-            <a:rPr lang="en-US" sz="1400" kern="1200" dirty="0" smtClean="0"/>
+            <a:rPr lang="en-US" sz="1700" b="1" kern="1200" dirty="0" smtClean="0"/>
             <a:t>public PC-pool </a:t>
           </a:r>
         </a:p>
         <a:p>
-          <a:pPr lvl="0" algn="ctr" defTabSz="622300">
+          <a:pPr lvl="0" algn="ctr" defTabSz="755650">
             <a:lnSpc>
               <a:spcPct val="90000"/>
             </a:lnSpc>
@@ -2774,22 +4024,22 @@
             </a:spcAft>
           </a:pPr>
           <a:r>
-            <a:rPr lang="en-US" sz="1400" kern="1200" dirty="0" smtClean="0"/>
+            <a:rPr lang="en-US" sz="1700" b="1" kern="1200" dirty="0" smtClean="0"/>
             <a:t>(where downloading software is not allowed)</a:t>
           </a:r>
-          <a:endParaRPr lang="en-US" sz="1400" kern="1200" dirty="0"/>
+          <a:endParaRPr lang="en-US" sz="1700" b="1" kern="1200" dirty="0"/>
         </a:p>
       </dsp:txBody>
       <dsp:txXfrm>
-        <a:off x="738150" y="2833254"/>
-        <a:ext cx="1606699" cy="1006823"/>
+        <a:off x="427841" y="2943562"/>
+        <a:ext cx="2065798" cy="926089"/>
       </dsp:txXfrm>
     </dsp:sp>
   </dsp:spTree>
 </dsp:drawing>
 </file>
 
-<file path=ppt/diagrams/drawing2.xml><?xml version="1.0" encoding="utf-8"?>
+<file path=ppt/diagrams/drawing3.xml><?xml version="1.0" encoding="utf-8"?>
 <dsp:drawing xmlns:dgm="http://schemas.openxmlformats.org/drawingml/2006/diagram" xmlns:dsp="http://schemas.microsoft.com/office/drawing/2008/diagram" xmlns:a="http://schemas.openxmlformats.org/drawingml/2006/main">
   <dsp:spTree>
     <dsp:nvGrpSpPr>
@@ -3326,6 +4576,135 @@
 </file>
 
 <file path=ppt/diagrams/layout1.xml><?xml version="1.0" encoding="utf-8"?>
+<dgm:layoutDef xmlns:dgm="http://schemas.openxmlformats.org/drawingml/2006/diagram" xmlns:a="http://schemas.openxmlformats.org/drawingml/2006/main" uniqueId="urn:microsoft.com/office/officeart/2005/8/layout/pyramid2">
+  <dgm:title val=""/>
+  <dgm:desc val=""/>
+  <dgm:catLst>
+    <dgm:cat type="pyramid" pri="3000"/>
+    <dgm:cat type="list" pri="21000"/>
+    <dgm:cat type="convert" pri="17000"/>
+  </dgm:catLst>
+  <dgm:sampData useDef="1">
+    <dgm:dataModel>
+      <dgm:ptLst/>
+      <dgm:bg/>
+      <dgm:whole/>
+    </dgm:dataModel>
+  </dgm:sampData>
+  <dgm:styleData useDef="1">
+    <dgm:dataModel>
+      <dgm:ptLst/>
+      <dgm:bg/>
+      <dgm:whole/>
+    </dgm:dataModel>
+  </dgm:styleData>
+  <dgm:clrData useDef="1">
+    <dgm:dataModel>
+      <dgm:ptLst/>
+      <dgm:bg/>
+      <dgm:whole/>
+    </dgm:dataModel>
+  </dgm:clrData>
+  <dgm:layoutNode name="compositeShape">
+    <dgm:alg type="composite"/>
+    <dgm:shape xmlns:r="http://schemas.openxmlformats.org/officeDocument/2006/relationships" r:blip="">
+      <dgm:adjLst/>
+    </dgm:shape>
+    <dgm:presOf/>
+    <dgm:varLst>
+      <dgm:dir/>
+      <dgm:resizeHandles/>
+    </dgm:varLst>
+    <dgm:choose name="Name0">
+      <dgm:if name="Name1" func="var" arg="dir" op="equ" val="norm">
+        <dgm:constrLst>
+          <dgm:constr type="w" for="ch" forName="pyramid" refType="h"/>
+          <dgm:constr type="h" for="ch" forName="pyramid" refType="h"/>
+          <dgm:constr type="h" for="ch" forName="theList" refType="h" fact="0.8"/>
+          <dgm:constr type="w" for="ch" forName="theList" refType="h" fact="0.65"/>
+          <dgm:constr type="ctrY" for="ch" forName="theList" refType="h" refFor="ch" refForName="pyramid" fact="0.5"/>
+          <dgm:constr type="l" for="ch" forName="theList" refType="w" refFor="ch" refForName="pyramid" fact="0.5"/>
+          <dgm:constr type="h" for="des" forName="aSpace" refType="h" fact="0.1"/>
+        </dgm:constrLst>
+      </dgm:if>
+      <dgm:else name="Name2">
+        <dgm:constrLst>
+          <dgm:constr type="w" for="ch" forName="pyramid" refType="h"/>
+          <dgm:constr type="h" for="ch" forName="pyramid" refType="h"/>
+          <dgm:constr type="h" for="ch" forName="theList" refType="h" fact="0.8"/>
+          <dgm:constr type="w" for="ch" forName="theList" refType="h" fact="0.65"/>
+          <dgm:constr type="ctrY" for="ch" forName="theList" refType="h" refFor="ch" refForName="pyramid" fact="0.5"/>
+          <dgm:constr type="r" for="ch" forName="theList" refType="w" refFor="ch" refForName="pyramid" fact="0.5"/>
+          <dgm:constr type="h" for="des" forName="aSpace" refType="h" fact="0.1"/>
+        </dgm:constrLst>
+      </dgm:else>
+    </dgm:choose>
+    <dgm:ruleLst/>
+    <dgm:choose name="Name3">
+      <dgm:if name="Name4" axis="ch" ptType="node" func="cnt" op="gte" val="1">
+        <dgm:layoutNode name="pyramid" styleLbl="node1">
+          <dgm:alg type="sp"/>
+          <dgm:shape xmlns:r="http://schemas.openxmlformats.org/officeDocument/2006/relationships" type="triangle" r:blip="">
+            <dgm:adjLst/>
+          </dgm:shape>
+          <dgm:presOf/>
+          <dgm:constrLst/>
+          <dgm:ruleLst/>
+        </dgm:layoutNode>
+        <dgm:layoutNode name="theList">
+          <dgm:alg type="lin">
+            <dgm:param type="linDir" val="fromT"/>
+          </dgm:alg>
+          <dgm:shape xmlns:r="http://schemas.openxmlformats.org/officeDocument/2006/relationships" r:blip="">
+            <dgm:adjLst/>
+          </dgm:shape>
+          <dgm:presOf/>
+          <dgm:constrLst>
+            <dgm:constr type="w" for="ch" forName="aNode" refType="w"/>
+            <dgm:constr type="h" for="ch" forName="aNode" refType="h"/>
+            <dgm:constr type="primFontSz" for="ch" ptType="node" op="equ"/>
+          </dgm:constrLst>
+          <dgm:ruleLst/>
+          <dgm:forEach name="aNodeForEach" axis="ch" ptType="node">
+            <dgm:layoutNode name="aNode" styleLbl="fgAcc1">
+              <dgm:varLst>
+                <dgm:bulletEnabled val="1"/>
+              </dgm:varLst>
+              <dgm:alg type="tx"/>
+              <dgm:shape xmlns:r="http://schemas.openxmlformats.org/officeDocument/2006/relationships" type="roundRect" r:blip="">
+                <dgm:adjLst/>
+              </dgm:shape>
+              <dgm:presOf axis="desOrSelf" ptType="node"/>
+              <dgm:constrLst>
+                <dgm:constr type="primFontSz" val="65"/>
+                <dgm:constr type="tMarg" refType="primFontSz" fact="0.3"/>
+                <dgm:constr type="bMarg" refType="primFontSz" fact="0.3"/>
+                <dgm:constr type="lMarg" refType="primFontSz" fact="0.3"/>
+                <dgm:constr type="rMarg" refType="primFontSz" fact="0.3"/>
+              </dgm:constrLst>
+              <dgm:ruleLst>
+                <dgm:rule type="primFontSz" val="5" fact="NaN" max="NaN"/>
+              </dgm:ruleLst>
+            </dgm:layoutNode>
+            <dgm:layoutNode name="aSpace">
+              <dgm:alg type="sp"/>
+              <dgm:shape xmlns:r="http://schemas.openxmlformats.org/officeDocument/2006/relationships" r:blip="">
+                <dgm:adjLst/>
+              </dgm:shape>
+              <dgm:presOf/>
+              <dgm:constrLst/>
+              <dgm:ruleLst/>
+            </dgm:layoutNode>
+          </dgm:forEach>
+        </dgm:layoutNode>
+      </dgm:if>
+      <dgm:else name="Name5"/>
+    </dgm:choose>
+  </dgm:layoutNode>
+</dgm:layoutDef>
+</file>
+
+<file path=ppt/diagrams/layout2.xml><?xml version="1.0" encoding="utf-8"?>
 <dgm:layoutDef xmlns:dgm="http://schemas.openxmlformats.org/drawingml/2006/diagram" xmlns:a="http://schemas.openxmlformats.org/drawingml/2006/main" uniqueId="urn:microsoft.com/office/officeart/2005/8/layout/radial5">
   <dgm:title val=""/>
   <dgm:desc val=""/>
@@ -3564,7 +4943,7 @@
 </dgm:layoutDef>
 </file>
 
-<file path=ppt/diagrams/layout2.xml><?xml version="1.0" encoding="utf-8"?>
+<file path=ppt/diagrams/layout3.xml><?xml version="1.0" encoding="utf-8"?>
 <dgm:layoutDef xmlns:dgm="http://schemas.openxmlformats.org/drawingml/2006/diagram" xmlns:a="http://schemas.openxmlformats.org/drawingml/2006/main" uniqueId="urn:microsoft.com/office/officeart/2005/8/layout/vList3#1">
   <dgm:title val=""/>
   <dgm:desc val=""/>
@@ -4762,6 +6141,1040 @@
 </file>
 
 <file path=ppt/diagrams/quickStyle2.xml><?xml version="1.0" encoding="utf-8"?>
+<dgm:styleDef xmlns:dgm="http://schemas.openxmlformats.org/drawingml/2006/diagram" xmlns:a="http://schemas.openxmlformats.org/drawingml/2006/main" uniqueId="urn:microsoft.com/office/officeart/2005/8/quickstyle/simple1">
+  <dgm:title val=""/>
+  <dgm:desc val=""/>
+  <dgm:catLst>
+    <dgm:cat type="simple" pri="10100"/>
+  </dgm:catLst>
+  <dgm:scene3d>
+    <a:camera prst="orthographicFront"/>
+    <a:lightRig rig="threePt" dir="t"/>
+  </dgm:scene3d>
+  <dgm:styleLbl name="node0">
+    <dgm:scene3d>
+      <a:camera prst="orthographicFront"/>
+      <a:lightRig rig="threePt" dir="t"/>
+    </dgm:scene3d>
+    <dgm:sp3d/>
+    <dgm:txPr/>
+    <dgm:style>
+      <a:lnRef idx="2">
+        <a:scrgbClr r="0" g="0" b="0"/>
+      </a:lnRef>
+      <a:fillRef idx="1">
+        <a:scrgbClr r="0" g="0" b="0"/>
+      </a:fillRef>
+      <a:effectRef idx="0">
+        <a:scrgbClr r="0" g="0" b="0"/>
+      </a:effectRef>
+      <a:fontRef idx="minor">
+        <a:schemeClr val="lt1"/>
+      </a:fontRef>
+    </dgm:style>
+  </dgm:styleLbl>
+  <dgm:styleLbl name="lnNode1">
+    <dgm:scene3d>
+      <a:camera prst="orthographicFront"/>
+      <a:lightRig rig="threePt" dir="t"/>
+    </dgm:scene3d>
+    <dgm:sp3d/>
+    <dgm:txPr/>
+    <dgm:style>
+      <a:lnRef idx="2">
+        <a:scrgbClr r="0" g="0" b="0"/>
+      </a:lnRef>
+      <a:fillRef idx="1">
+        <a:scrgbClr r="0" g="0" b="0"/>
+      </a:fillRef>
+      <a:effectRef idx="0">
+        <a:scrgbClr r="0" g="0" b="0"/>
+      </a:effectRef>
+      <a:fontRef idx="minor">
+        <a:schemeClr val="lt1"/>
+      </a:fontRef>
+    </dgm:style>
+  </dgm:styleLbl>
+  <dgm:styleLbl name="vennNode1">
+    <dgm:scene3d>
+      <a:camera prst="orthographicFront"/>
+      <a:lightRig rig="threePt" dir="t"/>
+    </dgm:scene3d>
+    <dgm:sp3d/>
+    <dgm:txPr/>
+    <dgm:style>
+      <a:lnRef idx="2">
+        <a:scrgbClr r="0" g="0" b="0"/>
+      </a:lnRef>
+      <a:fillRef idx="1">
+        <a:scrgbClr r="0" g="0" b="0"/>
+      </a:fillRef>
+      <a:effectRef idx="0">
+        <a:scrgbClr r="0" g="0" b="0"/>
+      </a:effectRef>
+      <a:fontRef idx="minor">
+        <a:schemeClr val="tx1"/>
+      </a:fontRef>
+    </dgm:style>
+  </dgm:styleLbl>
+  <dgm:styleLbl name="alignNode1">
+    <dgm:scene3d>
+      <a:camera prst="orthographicFront"/>
+      <a:lightRig rig="threePt" dir="t"/>
+    </dgm:scene3d>
+    <dgm:sp3d/>
+    <dgm:txPr/>
+    <dgm:style>
+      <a:lnRef idx="2">
+        <a:scrgbClr r="0" g="0" b="0"/>
+      </a:lnRef>
+      <a:fillRef idx="1">
+        <a:scrgbClr r="0" g="0" b="0"/>
+      </a:fillRef>
+      <a:effectRef idx="0">
+        <a:scrgbClr r="0" g="0" b="0"/>
+      </a:effectRef>
+      <a:fontRef idx="minor">
+        <a:schemeClr val="lt1"/>
+      </a:fontRef>
+    </dgm:style>
+  </dgm:styleLbl>
+  <dgm:styleLbl name="node1">
+    <dgm:scene3d>
+      <a:camera prst="orthographicFront"/>
+      <a:lightRig rig="threePt" dir="t"/>
+    </dgm:scene3d>
+    <dgm:sp3d/>
+    <dgm:txPr/>
+    <dgm:style>
+      <a:lnRef idx="2">
+        <a:scrgbClr r="0" g="0" b="0"/>
+      </a:lnRef>
+      <a:fillRef idx="1">
+        <a:scrgbClr r="0" g="0" b="0"/>
+      </a:fillRef>
+      <a:effectRef idx="0">
+        <a:scrgbClr r="0" g="0" b="0"/>
+      </a:effectRef>
+      <a:fontRef idx="minor">
+        <a:schemeClr val="lt1"/>
+      </a:fontRef>
+    </dgm:style>
+  </dgm:styleLbl>
+  <dgm:styleLbl name="node2">
+    <dgm:scene3d>
+      <a:camera prst="orthographicFront"/>
+      <a:lightRig rig="threePt" dir="t"/>
+    </dgm:scene3d>
+    <dgm:sp3d/>
+    <dgm:txPr/>
+    <dgm:style>
+      <a:lnRef idx="2">
+        <a:scrgbClr r="0" g="0" b="0"/>
+      </a:lnRef>
+      <a:fillRef idx="1">
+        <a:scrgbClr r="0" g="0" b="0"/>
+      </a:fillRef>
+      <a:effectRef idx="0">
+        <a:scrgbClr r="0" g="0" b="0"/>
+      </a:effectRef>
+      <a:fontRef idx="minor">
+        <a:schemeClr val="lt1"/>
+      </a:fontRef>
+    </dgm:style>
+  </dgm:styleLbl>
+  <dgm:styleLbl name="node3">
+    <dgm:scene3d>
+      <a:camera prst="orthographicFront"/>
+      <a:lightRig rig="threePt" dir="t"/>
+    </dgm:scene3d>
+    <dgm:sp3d/>
+    <dgm:txPr/>
+    <dgm:style>
+      <a:lnRef idx="2">
+        <a:scrgbClr r="0" g="0" b="0"/>
+      </a:lnRef>
+      <a:fillRef idx="1">
+        <a:scrgbClr r="0" g="0" b="0"/>
+      </a:fillRef>
+      <a:effectRef idx="0">
+        <a:scrgbClr r="0" g="0" b="0"/>
+      </a:effectRef>
+      <a:fontRef idx="minor">
+        <a:schemeClr val="lt1"/>
+      </a:fontRef>
+    </dgm:style>
+  </dgm:styleLbl>
+  <dgm:styleLbl name="node4">
+    <dgm:scene3d>
+      <a:camera prst="orthographicFront"/>
+      <a:lightRig rig="threePt" dir="t"/>
+    </dgm:scene3d>
+    <dgm:sp3d/>
+    <dgm:txPr/>
+    <dgm:style>
+      <a:lnRef idx="2">
+        <a:scrgbClr r="0" g="0" b="0"/>
+      </a:lnRef>
+      <a:fillRef idx="1">
+        <a:scrgbClr r="0" g="0" b="0"/>
+      </a:fillRef>
+      <a:effectRef idx="0">
+        <a:scrgbClr r="0" g="0" b="0"/>
+      </a:effectRef>
+      <a:fontRef idx="minor">
+        <a:schemeClr val="lt1"/>
+      </a:fontRef>
+    </dgm:style>
+  </dgm:styleLbl>
+  <dgm:styleLbl name="fgImgPlace1">
+    <dgm:scene3d>
+      <a:camera prst="orthographicFront"/>
+      <a:lightRig rig="threePt" dir="t"/>
+    </dgm:scene3d>
+    <dgm:sp3d/>
+    <dgm:txPr/>
+    <dgm:style>
+      <a:lnRef idx="2">
+        <a:scrgbClr r="0" g="0" b="0"/>
+      </a:lnRef>
+      <a:fillRef idx="1">
+        <a:scrgbClr r="0" g="0" b="0"/>
+      </a:fillRef>
+      <a:effectRef idx="0">
+        <a:scrgbClr r="0" g="0" b="0"/>
+      </a:effectRef>
+      <a:fontRef idx="minor"/>
+    </dgm:style>
+  </dgm:styleLbl>
+  <dgm:styleLbl name="alignImgPlace1">
+    <dgm:scene3d>
+      <a:camera prst="orthographicFront"/>
+      <a:lightRig rig="threePt" dir="t"/>
+    </dgm:scene3d>
+    <dgm:sp3d/>
+    <dgm:txPr/>
+    <dgm:style>
+      <a:lnRef idx="2">
+        <a:scrgbClr r="0" g="0" b="0"/>
+      </a:lnRef>
+      <a:fillRef idx="1">
+        <a:scrgbClr r="0" g="0" b="0"/>
+      </a:fillRef>
+      <a:effectRef idx="0">
+        <a:scrgbClr r="0" g="0" b="0"/>
+      </a:effectRef>
+      <a:fontRef idx="minor"/>
+    </dgm:style>
+  </dgm:styleLbl>
+  <dgm:styleLbl name="bgImgPlace1">
+    <dgm:scene3d>
+      <a:camera prst="orthographicFront"/>
+      <a:lightRig rig="threePt" dir="t"/>
+    </dgm:scene3d>
+    <dgm:sp3d/>
+    <dgm:txPr/>
+    <dgm:style>
+      <a:lnRef idx="2">
+        <a:scrgbClr r="0" g="0" b="0"/>
+      </a:lnRef>
+      <a:fillRef idx="1">
+        <a:scrgbClr r="0" g="0" b="0"/>
+      </a:fillRef>
+      <a:effectRef idx="0">
+        <a:scrgbClr r="0" g="0" b="0"/>
+      </a:effectRef>
+      <a:fontRef idx="minor"/>
+    </dgm:style>
+  </dgm:styleLbl>
+  <dgm:styleLbl name="sibTrans2D1">
+    <dgm:scene3d>
+      <a:camera prst="orthographicFront"/>
+      <a:lightRig rig="threePt" dir="t"/>
+    </dgm:scene3d>
+    <dgm:sp3d/>
+    <dgm:txPr/>
+    <dgm:style>
+      <a:lnRef idx="0">
+        <a:scrgbClr r="0" g="0" b="0"/>
+      </a:lnRef>
+      <a:fillRef idx="1">
+        <a:scrgbClr r="0" g="0" b="0"/>
+      </a:fillRef>
+      <a:effectRef idx="0">
+        <a:scrgbClr r="0" g="0" b="0"/>
+      </a:effectRef>
+      <a:fontRef idx="minor">
+        <a:schemeClr val="lt1"/>
+      </a:fontRef>
+    </dgm:style>
+  </dgm:styleLbl>
+  <dgm:styleLbl name="fgSibTrans2D1">
+    <dgm:scene3d>
+      <a:camera prst="orthographicFront"/>
+      <a:lightRig rig="threePt" dir="t"/>
+    </dgm:scene3d>
+    <dgm:sp3d/>
+    <dgm:txPr/>
+    <dgm:style>
+      <a:lnRef idx="0">
+        <a:scrgbClr r="0" g="0" b="0"/>
+      </a:lnRef>
+      <a:fillRef idx="1">
+        <a:scrgbClr r="0" g="0" b="0"/>
+      </a:fillRef>
+      <a:effectRef idx="0">
+        <a:scrgbClr r="0" g="0" b="0"/>
+      </a:effectRef>
+      <a:fontRef idx="minor">
+        <a:schemeClr val="lt1"/>
+      </a:fontRef>
+    </dgm:style>
+  </dgm:styleLbl>
+  <dgm:styleLbl name="bgSibTrans2D1">
+    <dgm:scene3d>
+      <a:camera prst="orthographicFront"/>
+      <a:lightRig rig="threePt" dir="t"/>
+    </dgm:scene3d>
+    <dgm:sp3d/>
+    <dgm:txPr/>
+    <dgm:style>
+      <a:lnRef idx="0">
+        <a:scrgbClr r="0" g="0" b="0"/>
+      </a:lnRef>
+      <a:fillRef idx="1">
+        <a:scrgbClr r="0" g="0" b="0"/>
+      </a:fillRef>
+      <a:effectRef idx="0">
+        <a:scrgbClr r="0" g="0" b="0"/>
+      </a:effectRef>
+      <a:fontRef idx="minor">
+        <a:schemeClr val="lt1"/>
+      </a:fontRef>
+    </dgm:style>
+  </dgm:styleLbl>
+  <dgm:styleLbl name="sibTrans1D1">
+    <dgm:scene3d>
+      <a:camera prst="orthographicFront"/>
+      <a:lightRig rig="threePt" dir="t"/>
+    </dgm:scene3d>
+    <dgm:sp3d/>
+    <dgm:txPr/>
+    <dgm:style>
+      <a:lnRef idx="1">
+        <a:scrgbClr r="0" g="0" b="0"/>
+      </a:lnRef>
+      <a:fillRef idx="0">
+        <a:scrgbClr r="0" g="0" b="0"/>
+      </a:fillRef>
+      <a:effectRef idx="0">
+        <a:scrgbClr r="0" g="0" b="0"/>
+      </a:effectRef>
+      <a:fontRef idx="minor"/>
+    </dgm:style>
+  </dgm:styleLbl>
+  <dgm:styleLbl name="callout">
+    <dgm:scene3d>
+      <a:camera prst="orthographicFront"/>
+      <a:lightRig rig="threePt" dir="t"/>
+    </dgm:scene3d>
+    <dgm:sp3d/>
+    <dgm:txPr/>
+    <dgm:style>
+      <a:lnRef idx="2">
+        <a:scrgbClr r="0" g="0" b="0"/>
+      </a:lnRef>
+      <a:fillRef idx="1">
+        <a:scrgbClr r="0" g="0" b="0"/>
+      </a:fillRef>
+      <a:effectRef idx="0">
+        <a:scrgbClr r="0" g="0" b="0"/>
+      </a:effectRef>
+      <a:fontRef idx="minor"/>
+    </dgm:style>
+  </dgm:styleLbl>
+  <dgm:styleLbl name="asst0">
+    <dgm:scene3d>
+      <a:camera prst="orthographicFront"/>
+      <a:lightRig rig="threePt" dir="t"/>
+    </dgm:scene3d>
+    <dgm:sp3d/>
+    <dgm:txPr/>
+    <dgm:style>
+      <a:lnRef idx="2">
+        <a:scrgbClr r="0" g="0" b="0"/>
+      </a:lnRef>
+      <a:fillRef idx="1">
+        <a:scrgbClr r="0" g="0" b="0"/>
+      </a:fillRef>
+      <a:effectRef idx="0">
+        <a:scrgbClr r="0" g="0" b="0"/>
+      </a:effectRef>
+      <a:fontRef idx="minor">
+        <a:schemeClr val="lt1"/>
+      </a:fontRef>
+    </dgm:style>
+  </dgm:styleLbl>
+  <dgm:styleLbl name="asst1">
+    <dgm:scene3d>
+      <a:camera prst="orthographicFront"/>
+      <a:lightRig rig="threePt" dir="t"/>
+    </dgm:scene3d>
+    <dgm:sp3d/>
+    <dgm:txPr/>
+    <dgm:style>
+      <a:lnRef idx="2">
+        <a:scrgbClr r="0" g="0" b="0"/>
+      </a:lnRef>
+      <a:fillRef idx="1">
+        <a:scrgbClr r="0" g="0" b="0"/>
+      </a:fillRef>
+      <a:effectRef idx="0">
+        <a:scrgbClr r="0" g="0" b="0"/>
+      </a:effectRef>
+      <a:fontRef idx="minor">
+        <a:schemeClr val="lt1"/>
+      </a:fontRef>
+    </dgm:style>
+  </dgm:styleLbl>
+  <dgm:styleLbl name="asst2">
+    <dgm:scene3d>
+      <a:camera prst="orthographicFront"/>
+      <a:lightRig rig="threePt" dir="t"/>
+    </dgm:scene3d>
+    <dgm:sp3d/>
+    <dgm:txPr/>
+    <dgm:style>
+      <a:lnRef idx="2">
+        <a:scrgbClr r="0" g="0" b="0"/>
+      </a:lnRef>
+      <a:fillRef idx="1">
+        <a:scrgbClr r="0" g="0" b="0"/>
+      </a:fillRef>
+      <a:effectRef idx="0">
+        <a:scrgbClr r="0" g="0" b="0"/>
+      </a:effectRef>
+      <a:fontRef idx="minor">
+        <a:schemeClr val="lt1"/>
+      </a:fontRef>
+    </dgm:style>
+  </dgm:styleLbl>
+  <dgm:styleLbl name="asst3">
+    <dgm:scene3d>
+      <a:camera prst="orthographicFront"/>
+      <a:lightRig rig="threePt" dir="t"/>
+    </dgm:scene3d>
+    <dgm:sp3d/>
+    <dgm:txPr/>
+    <dgm:style>
+      <a:lnRef idx="2">
+        <a:scrgbClr r="0" g="0" b="0"/>
+      </a:lnRef>
+      <a:fillRef idx="1">
+        <a:scrgbClr r="0" g="0" b="0"/>
+      </a:fillRef>
+      <a:effectRef idx="0">
+        <a:scrgbClr r="0" g="0" b="0"/>
+      </a:effectRef>
+      <a:fontRef idx="minor">
+        <a:schemeClr val="lt1"/>
+      </a:fontRef>
+    </dgm:style>
+  </dgm:styleLbl>
+  <dgm:styleLbl name="asst4">
+    <dgm:scene3d>
+      <a:camera prst="orthographicFront"/>
+      <a:lightRig rig="threePt" dir="t"/>
+    </dgm:scene3d>
+    <dgm:sp3d/>
+    <dgm:txPr/>
+    <dgm:style>
+      <a:lnRef idx="2">
+        <a:scrgbClr r="0" g="0" b="0"/>
+      </a:lnRef>
+      <a:fillRef idx="1">
+        <a:scrgbClr r="0" g="0" b="0"/>
+      </a:fillRef>
+      <a:effectRef idx="0">
+        <a:scrgbClr r="0" g="0" b="0"/>
+      </a:effectRef>
+      <a:fontRef idx="minor">
+        <a:schemeClr val="lt1"/>
+      </a:fontRef>
+    </dgm:style>
+  </dgm:styleLbl>
+  <dgm:styleLbl name="parChTrans2D1">
+    <dgm:scene3d>
+      <a:camera prst="orthographicFront"/>
+      <a:lightRig rig="threePt" dir="t"/>
+    </dgm:scene3d>
+    <dgm:sp3d/>
+    <dgm:txPr/>
+    <dgm:style>
+      <a:lnRef idx="2">
+        <a:scrgbClr r="0" g="0" b="0"/>
+      </a:lnRef>
+      <a:fillRef idx="1">
+        <a:scrgbClr r="0" g="0" b="0"/>
+      </a:fillRef>
+      <a:effectRef idx="0">
+        <a:scrgbClr r="0" g="0" b="0"/>
+      </a:effectRef>
+      <a:fontRef idx="minor">
+        <a:schemeClr val="lt1"/>
+      </a:fontRef>
+    </dgm:style>
+  </dgm:styleLbl>
+  <dgm:styleLbl name="parChTrans2D2">
+    <dgm:scene3d>
+      <a:camera prst="orthographicFront"/>
+      <a:lightRig rig="threePt" dir="t"/>
+    </dgm:scene3d>
+    <dgm:sp3d/>
+    <dgm:txPr/>
+    <dgm:style>
+      <a:lnRef idx="2">
+        <a:scrgbClr r="0" g="0" b="0"/>
+      </a:lnRef>
+      <a:fillRef idx="1">
+        <a:scrgbClr r="0" g="0" b="0"/>
+      </a:fillRef>
+      <a:effectRef idx="0">
+        <a:scrgbClr r="0" g="0" b="0"/>
+      </a:effectRef>
+      <a:fontRef idx="minor">
+        <a:schemeClr val="lt1"/>
+      </a:fontRef>
+    </dgm:style>
+  </dgm:styleLbl>
+  <dgm:styleLbl name="parChTrans2D3">
+    <dgm:scene3d>
+      <a:camera prst="orthographicFront"/>
+      <a:lightRig rig="threePt" dir="t"/>
+    </dgm:scene3d>
+    <dgm:sp3d/>
+    <dgm:txPr/>
+    <dgm:style>
+      <a:lnRef idx="2">
+        <a:scrgbClr r="0" g="0" b="0"/>
+      </a:lnRef>
+      <a:fillRef idx="1">
+        <a:scrgbClr r="0" g="0" b="0"/>
+      </a:fillRef>
+      <a:effectRef idx="0">
+        <a:scrgbClr r="0" g="0" b="0"/>
+      </a:effectRef>
+      <a:fontRef idx="minor">
+        <a:schemeClr val="lt1"/>
+      </a:fontRef>
+    </dgm:style>
+  </dgm:styleLbl>
+  <dgm:styleLbl name="parChTrans2D4">
+    <dgm:scene3d>
+      <a:camera prst="orthographicFront"/>
+      <a:lightRig rig="threePt" dir="t"/>
+    </dgm:scene3d>
+    <dgm:sp3d/>
+    <dgm:txPr/>
+    <dgm:style>
+      <a:lnRef idx="2">
+        <a:scrgbClr r="0" g="0" b="0"/>
+      </a:lnRef>
+      <a:fillRef idx="1">
+        <a:scrgbClr r="0" g="0" b="0"/>
+      </a:fillRef>
+      <a:effectRef idx="0">
+        <a:scrgbClr r="0" g="0" b="0"/>
+      </a:effectRef>
+      <a:fontRef idx="minor">
+        <a:schemeClr val="lt1"/>
+      </a:fontRef>
+    </dgm:style>
+  </dgm:styleLbl>
+  <dgm:styleLbl name="parChTrans1D1">
+    <dgm:scene3d>
+      <a:camera prst="orthographicFront"/>
+      <a:lightRig rig="threePt" dir="t"/>
+    </dgm:scene3d>
+    <dgm:sp3d/>
+    <dgm:txPr/>
+    <dgm:style>
+      <a:lnRef idx="2">
+        <a:scrgbClr r="0" g="0" b="0"/>
+      </a:lnRef>
+      <a:fillRef idx="0">
+        <a:scrgbClr r="0" g="0" b="0"/>
+      </a:fillRef>
+      <a:effectRef idx="0">
+        <a:scrgbClr r="0" g="0" b="0"/>
+      </a:effectRef>
+      <a:fontRef idx="minor"/>
+    </dgm:style>
+  </dgm:styleLbl>
+  <dgm:styleLbl name="parChTrans1D2">
+    <dgm:scene3d>
+      <a:camera prst="orthographicFront"/>
+      <a:lightRig rig="threePt" dir="t"/>
+    </dgm:scene3d>
+    <dgm:sp3d/>
+    <dgm:txPr/>
+    <dgm:style>
+      <a:lnRef idx="2">
+        <a:scrgbClr r="0" g="0" b="0"/>
+      </a:lnRef>
+      <a:fillRef idx="0">
+        <a:scrgbClr r="0" g="0" b="0"/>
+      </a:fillRef>
+      <a:effectRef idx="0">
+        <a:scrgbClr r="0" g="0" b="0"/>
+      </a:effectRef>
+      <a:fontRef idx="minor"/>
+    </dgm:style>
+  </dgm:styleLbl>
+  <dgm:styleLbl name="parChTrans1D3">
+    <dgm:scene3d>
+      <a:camera prst="orthographicFront"/>
+      <a:lightRig rig="threePt" dir="t"/>
+    </dgm:scene3d>
+    <dgm:sp3d/>
+    <dgm:txPr/>
+    <dgm:style>
+      <a:lnRef idx="2">
+        <a:scrgbClr r="0" g="0" b="0"/>
+      </a:lnRef>
+      <a:fillRef idx="0">
+        <a:scrgbClr r="0" g="0" b="0"/>
+      </a:fillRef>
+      <a:effectRef idx="0">
+        <a:scrgbClr r="0" g="0" b="0"/>
+      </a:effectRef>
+      <a:fontRef idx="minor"/>
+    </dgm:style>
+  </dgm:styleLbl>
+  <dgm:styleLbl name="parChTrans1D4">
+    <dgm:scene3d>
+      <a:camera prst="orthographicFront"/>
+      <a:lightRig rig="threePt" dir="t"/>
+    </dgm:scene3d>
+    <dgm:sp3d/>
+    <dgm:txPr/>
+    <dgm:style>
+      <a:lnRef idx="2">
+        <a:scrgbClr r="0" g="0" b="0"/>
+      </a:lnRef>
+      <a:fillRef idx="0">
+        <a:scrgbClr r="0" g="0" b="0"/>
+      </a:fillRef>
+      <a:effectRef idx="0">
+        <a:scrgbClr r="0" g="0" b="0"/>
+      </a:effectRef>
+      <a:fontRef idx="minor"/>
+    </dgm:style>
+  </dgm:styleLbl>
+  <dgm:styleLbl name="fgAcc1">
+    <dgm:scene3d>
+      <a:camera prst="orthographicFront"/>
+      <a:lightRig rig="threePt" dir="t"/>
+    </dgm:scene3d>
+    <dgm:sp3d/>
+    <dgm:txPr/>
+    <dgm:style>
+      <a:lnRef idx="2">
+        <a:scrgbClr r="0" g="0" b="0"/>
+      </a:lnRef>
+      <a:fillRef idx="1">
+        <a:scrgbClr r="0" g="0" b="0"/>
+      </a:fillRef>
+      <a:effectRef idx="0">
+        <a:scrgbClr r="0" g="0" b="0"/>
+      </a:effectRef>
+      <a:fontRef idx="minor"/>
+    </dgm:style>
+  </dgm:styleLbl>
+  <dgm:styleLbl name="conFgAcc1">
+    <dgm:scene3d>
+      <a:camera prst="orthographicFront"/>
+      <a:lightRig rig="threePt" dir="t"/>
+    </dgm:scene3d>
+    <dgm:sp3d/>
+    <dgm:txPr/>
+    <dgm:style>
+      <a:lnRef idx="2">
+        <a:scrgbClr r="0" g="0" b="0"/>
+      </a:lnRef>
+      <a:fillRef idx="1">
+        <a:scrgbClr r="0" g="0" b="0"/>
+      </a:fillRef>
+      <a:effectRef idx="0">
+        <a:scrgbClr r="0" g="0" b="0"/>
+      </a:effectRef>
+      <a:fontRef idx="minor"/>
+    </dgm:style>
+  </dgm:styleLbl>
+  <dgm:styleLbl name="alignAcc1">
+    <dgm:scene3d>
+      <a:camera prst="orthographicFront"/>
+      <a:lightRig rig="threePt" dir="t"/>
+    </dgm:scene3d>
+    <dgm:sp3d/>
+    <dgm:txPr/>
+    <dgm:style>
+      <a:lnRef idx="2">
+        <a:scrgbClr r="0" g="0" b="0"/>
+      </a:lnRef>
+      <a:fillRef idx="1">
+        <a:scrgbClr r="0" g="0" b="0"/>
+      </a:fillRef>
+      <a:effectRef idx="0">
+        <a:scrgbClr r="0" g="0" b="0"/>
+      </a:effectRef>
+      <a:fontRef idx="minor"/>
+    </dgm:style>
+  </dgm:styleLbl>
+  <dgm:styleLbl name="trAlignAcc1">
+    <dgm:scene3d>
+      <a:camera prst="orthographicFront"/>
+      <a:lightRig rig="threePt" dir="t"/>
+    </dgm:scene3d>
+    <dgm:sp3d/>
+    <dgm:txPr/>
+    <dgm:style>
+      <a:lnRef idx="1">
+        <a:scrgbClr r="0" g="0" b="0"/>
+      </a:lnRef>
+      <a:fillRef idx="1">
+        <a:scrgbClr r="0" g="0" b="0"/>
+      </a:fillRef>
+      <a:effectRef idx="0">
+        <a:scrgbClr r="0" g="0" b="0"/>
+      </a:effectRef>
+      <a:fontRef idx="minor"/>
+    </dgm:style>
+  </dgm:styleLbl>
+  <dgm:styleLbl name="bgAcc1">
+    <dgm:scene3d>
+      <a:camera prst="orthographicFront"/>
+      <a:lightRig rig="threePt" dir="t"/>
+    </dgm:scene3d>
+    <dgm:sp3d/>
+    <dgm:txPr/>
+    <dgm:style>
+      <a:lnRef idx="2">
+        <a:scrgbClr r="0" g="0" b="0"/>
+      </a:lnRef>
+      <a:fillRef idx="1">
+        <a:scrgbClr r="0" g="0" b="0"/>
+      </a:fillRef>
+      <a:effectRef idx="0">
+        <a:scrgbClr r="0" g="0" b="0"/>
+      </a:effectRef>
+      <a:fontRef idx="minor"/>
+    </dgm:style>
+  </dgm:styleLbl>
+  <dgm:styleLbl name="solidFgAcc1">
+    <dgm:scene3d>
+      <a:camera prst="orthographicFront"/>
+      <a:lightRig rig="threePt" dir="t"/>
+    </dgm:scene3d>
+    <dgm:sp3d/>
+    <dgm:txPr/>
+    <dgm:style>
+      <a:lnRef idx="2">
+        <a:scrgbClr r="0" g="0" b="0"/>
+      </a:lnRef>
+      <a:fillRef idx="1">
+        <a:scrgbClr r="0" g="0" b="0"/>
+      </a:fillRef>
+      <a:effectRef idx="0">
+        <a:scrgbClr r="0" g="0" b="0"/>
+      </a:effectRef>
+      <a:fontRef idx="minor"/>
+    </dgm:style>
+  </dgm:styleLbl>
+  <dgm:styleLbl name="solidAlignAcc1">
+    <dgm:scene3d>
+      <a:camera prst="orthographicFront"/>
+      <a:lightRig rig="threePt" dir="t"/>
+    </dgm:scene3d>
+    <dgm:sp3d/>
+    <dgm:txPr/>
+    <dgm:style>
+      <a:lnRef idx="2">
+        <a:scrgbClr r="0" g="0" b="0"/>
+      </a:lnRef>
+      <a:fillRef idx="1">
+        <a:scrgbClr r="0" g="0" b="0"/>
+      </a:fillRef>
+      <a:effectRef idx="0">
+        <a:scrgbClr r="0" g="0" b="0"/>
+      </a:effectRef>
+      <a:fontRef idx="minor"/>
+    </dgm:style>
+  </dgm:styleLbl>
+  <dgm:styleLbl name="solidBgAcc1">
+    <dgm:scene3d>
+      <a:camera prst="orthographicFront"/>
+      <a:lightRig rig="threePt" dir="t"/>
+    </dgm:scene3d>
+    <dgm:sp3d/>
+    <dgm:txPr/>
+    <dgm:style>
+      <a:lnRef idx="2">
+        <a:scrgbClr r="0" g="0" b="0"/>
+      </a:lnRef>
+      <a:fillRef idx="1">
+        <a:scrgbClr r="0" g="0" b="0"/>
+      </a:fillRef>
+      <a:effectRef idx="0">
+        <a:scrgbClr r="0" g="0" b="0"/>
+      </a:effectRef>
+      <a:fontRef idx="minor"/>
+    </dgm:style>
+  </dgm:styleLbl>
+  <dgm:styleLbl name="fgAccFollowNode1">
+    <dgm:scene3d>
+      <a:camera prst="orthographicFront"/>
+      <a:lightRig rig="threePt" dir="t"/>
+    </dgm:scene3d>
+    <dgm:sp3d/>
+    <dgm:txPr/>
+    <dgm:style>
+      <a:lnRef idx="2">
+        <a:scrgbClr r="0" g="0" b="0"/>
+      </a:lnRef>
+      <a:fillRef idx="1">
+        <a:scrgbClr r="0" g="0" b="0"/>
+      </a:fillRef>
+      <a:effectRef idx="0">
+        <a:scrgbClr r="0" g="0" b="0"/>
+      </a:effectRef>
+      <a:fontRef idx="minor"/>
+    </dgm:style>
+  </dgm:styleLbl>
+  <dgm:styleLbl name="alignAccFollowNode1">
+    <dgm:scene3d>
+      <a:camera prst="orthographicFront"/>
+      <a:lightRig rig="threePt" dir="t"/>
+    </dgm:scene3d>
+    <dgm:sp3d/>
+    <dgm:txPr/>
+    <dgm:style>
+      <a:lnRef idx="2">
+        <a:scrgbClr r="0" g="0" b="0"/>
+      </a:lnRef>
+      <a:fillRef idx="1">
+        <a:scrgbClr r="0" g="0" b="0"/>
+      </a:fillRef>
+      <a:effectRef idx="0">
+        <a:scrgbClr r="0" g="0" b="0"/>
+      </a:effectRef>
+      <a:fontRef idx="minor"/>
+    </dgm:style>
+  </dgm:styleLbl>
+  <dgm:styleLbl name="bgAccFollowNode1">
+    <dgm:scene3d>
+      <a:camera prst="orthographicFront"/>
+      <a:lightRig rig="threePt" dir="t"/>
+    </dgm:scene3d>
+    <dgm:sp3d/>
+    <dgm:txPr/>
+    <dgm:style>
+      <a:lnRef idx="2">
+        <a:scrgbClr r="0" g="0" b="0"/>
+      </a:lnRef>
+      <a:fillRef idx="1">
+        <a:scrgbClr r="0" g="0" b="0"/>
+      </a:fillRef>
+      <a:effectRef idx="0">
+        <a:scrgbClr r="0" g="0" b="0"/>
+      </a:effectRef>
+      <a:fontRef idx="minor"/>
+    </dgm:style>
+  </dgm:styleLbl>
+  <dgm:styleLbl name="fgAcc0">
+    <dgm:scene3d>
+      <a:camera prst="orthographicFront"/>
+      <a:lightRig rig="threePt" dir="t"/>
+    </dgm:scene3d>
+    <dgm:sp3d/>
+    <dgm:txPr/>
+    <dgm:style>
+      <a:lnRef idx="2">
+        <a:scrgbClr r="0" g="0" b="0"/>
+      </a:lnRef>
+      <a:fillRef idx="1">
+        <a:scrgbClr r="0" g="0" b="0"/>
+      </a:fillRef>
+      <a:effectRef idx="0">
+        <a:scrgbClr r="0" g="0" b="0"/>
+      </a:effectRef>
+      <a:fontRef idx="minor"/>
+    </dgm:style>
+  </dgm:styleLbl>
+  <dgm:styleLbl name="fgAcc2">
+    <dgm:scene3d>
+      <a:camera prst="orthographicFront"/>
+      <a:lightRig rig="threePt" dir="t"/>
+    </dgm:scene3d>
+    <dgm:sp3d/>
+    <dgm:txPr/>
+    <dgm:style>
+      <a:lnRef idx="2">
+        <a:scrgbClr r="0" g="0" b="0"/>
+      </a:lnRef>
+      <a:fillRef idx="1">
+        <a:scrgbClr r="0" g="0" b="0"/>
+      </a:fillRef>
+      <a:effectRef idx="0">
+        <a:scrgbClr r="0" g="0" b="0"/>
+      </a:effectRef>
+      <a:fontRef idx="minor"/>
+    </dgm:style>
+  </dgm:styleLbl>
+  <dgm:styleLbl name="fgAcc3">
+    <dgm:scene3d>
+      <a:camera prst="orthographicFront"/>
+      <a:lightRig rig="threePt" dir="t"/>
+    </dgm:scene3d>
+    <dgm:sp3d/>
+    <dgm:txPr/>
+    <dgm:style>
+      <a:lnRef idx="2">
+        <a:scrgbClr r="0" g="0" b="0"/>
+      </a:lnRef>
+      <a:fillRef idx="1">
+        <a:scrgbClr r="0" g="0" b="0"/>
+      </a:fillRef>
+      <a:effectRef idx="0">
+        <a:scrgbClr r="0" g="0" b="0"/>
+      </a:effectRef>
+      <a:fontRef idx="minor"/>
+    </dgm:style>
+  </dgm:styleLbl>
+  <dgm:styleLbl name="fgAcc4">
+    <dgm:scene3d>
+      <a:camera prst="orthographicFront"/>
+      <a:lightRig rig="threePt" dir="t"/>
+    </dgm:scene3d>
+    <dgm:sp3d/>
+    <dgm:txPr/>
+    <dgm:style>
+      <a:lnRef idx="2">
+        <a:scrgbClr r="0" g="0" b="0"/>
+      </a:lnRef>
+      <a:fillRef idx="1">
+        <a:scrgbClr r="0" g="0" b="0"/>
+      </a:fillRef>
+      <a:effectRef idx="0">
+        <a:scrgbClr r="0" g="0" b="0"/>
+      </a:effectRef>
+      <a:fontRef idx="minor"/>
+    </dgm:style>
+  </dgm:styleLbl>
+  <dgm:styleLbl name="bgShp">
+    <dgm:scene3d>
+      <a:camera prst="orthographicFront"/>
+      <a:lightRig rig="threePt" dir="t"/>
+    </dgm:scene3d>
+    <dgm:sp3d/>
+    <dgm:txPr/>
+    <dgm:style>
+      <a:lnRef idx="0">
+        <a:scrgbClr r="0" g="0" b="0"/>
+      </a:lnRef>
+      <a:fillRef idx="1">
+        <a:scrgbClr r="0" g="0" b="0"/>
+      </a:fillRef>
+      <a:effectRef idx="0">
+        <a:scrgbClr r="0" g="0" b="0"/>
+      </a:effectRef>
+      <a:fontRef idx="minor"/>
+    </dgm:style>
+  </dgm:styleLbl>
+  <dgm:styleLbl name="dkBgShp">
+    <dgm:scene3d>
+      <a:camera prst="orthographicFront"/>
+      <a:lightRig rig="threePt" dir="t"/>
+    </dgm:scene3d>
+    <dgm:sp3d/>
+    <dgm:txPr/>
+    <dgm:style>
+      <a:lnRef idx="0">
+        <a:scrgbClr r="0" g="0" b="0"/>
+      </a:lnRef>
+      <a:fillRef idx="1">
+        <a:scrgbClr r="0" g="0" b="0"/>
+      </a:fillRef>
+      <a:effectRef idx="0">
+        <a:scrgbClr r="0" g="0" b="0"/>
+      </a:effectRef>
+      <a:fontRef idx="minor"/>
+    </dgm:style>
+  </dgm:styleLbl>
+  <dgm:styleLbl name="trBgShp">
+    <dgm:scene3d>
+      <a:camera prst="orthographicFront"/>
+      <a:lightRig rig="threePt" dir="t"/>
+    </dgm:scene3d>
+    <dgm:sp3d/>
+    <dgm:txPr/>
+    <dgm:style>
+      <a:lnRef idx="0">
+        <a:scrgbClr r="0" g="0" b="0"/>
+      </a:lnRef>
+      <a:fillRef idx="1">
+        <a:scrgbClr r="0" g="0" b="0"/>
+      </a:fillRef>
+      <a:effectRef idx="0">
+        <a:scrgbClr r="0" g="0" b="0"/>
+      </a:effectRef>
+      <a:fontRef idx="minor"/>
+    </dgm:style>
+  </dgm:styleLbl>
+  <dgm:styleLbl name="fgShp">
+    <dgm:scene3d>
+      <a:camera prst="orthographicFront"/>
+      <a:lightRig rig="threePt" dir="t"/>
+    </dgm:scene3d>
+    <dgm:sp3d/>
+    <dgm:txPr/>
+    <dgm:style>
+      <a:lnRef idx="2">
+        <a:scrgbClr r="0" g="0" b="0"/>
+      </a:lnRef>
+      <a:fillRef idx="1">
+        <a:scrgbClr r="0" g="0" b="0"/>
+      </a:fillRef>
+      <a:effectRef idx="0">
+        <a:scrgbClr r="0" g="0" b="0"/>
+      </a:effectRef>
+      <a:fontRef idx="minor"/>
+    </dgm:style>
+  </dgm:styleLbl>
+  <dgm:styleLbl name="revTx">
+    <dgm:scene3d>
+      <a:camera prst="orthographicFront"/>
+      <a:lightRig rig="threePt" dir="t"/>
+    </dgm:scene3d>
+    <dgm:sp3d/>
+    <dgm:txPr/>
+    <dgm:style>
+      <a:lnRef idx="0">
+        <a:scrgbClr r="0" g="0" b="0"/>
+      </a:lnRef>
+      <a:fillRef idx="0">
+        <a:scrgbClr r="0" g="0" b="0"/>
+      </a:fillRef>
+      <a:effectRef idx="0">
+        <a:scrgbClr r="0" g="0" b="0"/>
+      </a:effectRef>
+      <a:fontRef idx="minor"/>
+    </dgm:style>
+  </dgm:styleLbl>
+</dgm:styleDef>
+</file>
+
+<file path=ppt/diagrams/quickStyle3.xml><?xml version="1.0" encoding="utf-8"?>
 <dgm:styleDef xmlns:dgm="http://schemas.openxmlformats.org/drawingml/2006/diagram" xmlns:a="http://schemas.openxmlformats.org/drawingml/2006/main" uniqueId="urn:microsoft.com/office/officeart/2005/8/quickstyle/simple1">
   <dgm:title val=""/>
   <dgm:desc val=""/>
@@ -15991,35 +18404,6 @@
       </p:sp>
       <p:sp>
         <p:nvSpPr>
-          <p:cNvPr id="3" name="Content Placeholder 2"/>
-          <p:cNvSpPr>
-            <a:spLocks noGrp="1"/>
-          </p:cNvSpPr>
-          <p:nvPr>
-            <p:ph idx="1"/>
-          </p:nvPr>
-        </p:nvSpPr>
-        <p:spPr/>
-        <p:txBody>
-          <a:bodyPr/>
-          <a:lstStyle/>
-          <a:p>
-            <a:r>
-              <a:rPr lang="en-US" dirty="0" smtClean="0"/>
-              <a:t>Main function: Enabling instant messaging between users</a:t>
-            </a:r>
-          </a:p>
-          <a:p>
-            <a:r>
-              <a:rPr lang="en-US" dirty="0" smtClean="0"/>
-              <a:t> </a:t>
-            </a:r>
-            <a:endParaRPr lang="en-US" dirty="0"/>
-          </a:p>
-        </p:txBody>
-      </p:sp>
-      <p:sp>
-        <p:nvSpPr>
           <p:cNvPr id="4" name="Slide Number Placeholder 3"/>
           <p:cNvSpPr>
             <a:spLocks noGrp="1"/>
@@ -16042,35 +18426,28 @@
           </a:p>
         </p:txBody>
       </p:sp>
-      <p:sp>
-        <p:nvSpPr>
-          <p:cNvPr id="5" name="Rectangle 4"/>
-          <p:cNvSpPr/>
-          <p:nvPr/>
-        </p:nvSpPr>
-        <p:spPr>
-          <a:xfrm>
-            <a:off x="3699934" y="3244334"/>
-            <a:ext cx="1744132" cy="369332"/>
-          </a:xfrm>
-          <a:prstGeom prst="rect">
-            <a:avLst/>
-          </a:prstGeom>
-        </p:spPr>
-        <p:txBody>
-          <a:bodyPr wrap="none">
-            <a:spAutoFit/>
-          </a:bodyPr>
-          <a:lstStyle/>
-          <a:p>
-            <a:r>
-              <a:rPr lang="de-DE" dirty="0" err="1"/>
-              <a:t>Competitiveness</a:t>
-            </a:r>
-            <a:endParaRPr lang="de-DE" dirty="0"/>
-          </a:p>
-        </p:txBody>
-      </p:sp>
+      <p:graphicFrame>
+        <p:nvGraphicFramePr>
+          <p:cNvPr id="9" name="Diagram 8"/>
+          <p:cNvGraphicFramePr/>
+          <p:nvPr>
+            <p:extLst>
+              <p:ext uri="{D42A27DB-BD31-4B8C-83A1-F6EECF244321}">
+                <p14:modId xmlns:p14="http://schemas.microsoft.com/office/powerpoint/2010/main" val="2879284320"/>
+              </p:ext>
+            </p:extLst>
+          </p:nvPr>
+        </p:nvGraphicFramePr>
+        <p:xfrm>
+          <a:off x="1524000" y="1397000"/>
+          <a:ext cx="6096000" cy="4064000"/>
+        </p:xfrm>
+        <a:graphic>
+          <a:graphicData uri="http://schemas.openxmlformats.org/drawingml/2006/diagram">
+            <dgm:relIds xmlns:dgm="http://schemas.openxmlformats.org/drawingml/2006/diagram" xmlns:r="http://schemas.openxmlformats.org/officeDocument/2006/relationships" r:dm="rId2" r:lo="rId3" r:qs="rId4" r:cs="rId5"/>
+          </a:graphicData>
+        </a:graphic>
+      </p:graphicFrame>
     </p:spTree>
     <p:extLst>
       <p:ext uri="{BB962C8B-B14F-4D97-AF65-F5344CB8AC3E}">
@@ -16141,15 +18518,29 @@
             <p:ph idx="1"/>
           </p:nvPr>
         </p:nvSpPr>
-        <p:spPr/>
+        <p:spPr>
+          <a:xfrm>
+            <a:off x="457200" y="1600200"/>
+            <a:ext cx="2818656" cy="4525963"/>
+          </a:xfrm>
+        </p:spPr>
         <p:txBody>
           <a:bodyPr/>
           <a:lstStyle/>
           <a:p>
             <a:r>
               <a:rPr lang="en-US" dirty="0" smtClean="0"/>
-              <a:t> </a:t>
-            </a:r>
+              <a:t>Costs for setting up and maintenance: low </a:t>
+            </a:r>
+            <a:r>
+              <a:rPr lang="en-US" dirty="0" smtClean="0">
+                <a:sym typeface="Wingdings" panose="05000000000000000000" pitchFamily="2" charset="2"/>
+              </a:rPr>
+              <a:t> The service can be used on every PC that have an internet access</a:t>
+            </a:r>
+            <a:endParaRPr lang="en-US" dirty="0" smtClean="0"/>
+          </a:p>
+          <a:p>
             <a:endParaRPr lang="en-US" dirty="0"/>
           </a:p>
         </p:txBody>
@@ -16185,13 +18576,13 @@
           <p:nvPr>
             <p:extLst>
               <p:ext uri="{D42A27DB-BD31-4B8C-83A1-F6EECF244321}">
-                <p14:modId xmlns:p14="http://schemas.microsoft.com/office/powerpoint/2010/main" val="3677425082"/>
+                <p14:modId xmlns:p14="http://schemas.microsoft.com/office/powerpoint/2010/main" val="2254499349"/>
               </p:ext>
             </p:extLst>
           </p:nvPr>
         </p:nvGraphicFramePr>
         <p:xfrm>
-          <a:off x="1524000" y="1397000"/>
+          <a:off x="2868488" y="1813272"/>
           <a:ext cx="6096000" cy="4064000"/>
         </p:xfrm>
         <a:graphic>
